--- a/doc/racklette-may-2022.pptx
+++ b/doc/racklette-may-2022.pptx
@@ -5,7 +5,7 @@
     <p:sldMasterId id="2147483648" r:id="rId1"/>
   </p:sldMasterIdLst>
   <p:notesMasterIdLst>
-    <p:notesMasterId r:id="rId31"/>
+    <p:notesMasterId r:id="rId34"/>
   </p:notesMasterIdLst>
   <p:sldIdLst>
     <p:sldId id="264" r:id="rId2"/>
@@ -23,20 +23,23 @@
     <p:sldId id="358" r:id="rId14"/>
     <p:sldId id="349" r:id="rId15"/>
     <p:sldId id="369" r:id="rId16"/>
-    <p:sldId id="376" r:id="rId17"/>
-    <p:sldId id="359" r:id="rId18"/>
-    <p:sldId id="374" r:id="rId19"/>
-    <p:sldId id="371" r:id="rId20"/>
-    <p:sldId id="337" r:id="rId21"/>
-    <p:sldId id="338" r:id="rId22"/>
-    <p:sldId id="340" r:id="rId23"/>
-    <p:sldId id="370" r:id="rId24"/>
-    <p:sldId id="373" r:id="rId25"/>
-    <p:sldId id="363" r:id="rId26"/>
-    <p:sldId id="361" r:id="rId27"/>
-    <p:sldId id="362" r:id="rId28"/>
-    <p:sldId id="344" r:id="rId29"/>
-    <p:sldId id="291" r:id="rId30"/>
+    <p:sldId id="377" r:id="rId17"/>
+    <p:sldId id="364" r:id="rId18"/>
+    <p:sldId id="376" r:id="rId19"/>
+    <p:sldId id="390" r:id="rId20"/>
+    <p:sldId id="391" r:id="rId21"/>
+    <p:sldId id="359" r:id="rId22"/>
+    <p:sldId id="374" r:id="rId23"/>
+    <p:sldId id="371" r:id="rId24"/>
+    <p:sldId id="337" r:id="rId25"/>
+    <p:sldId id="338" r:id="rId26"/>
+    <p:sldId id="340" r:id="rId27"/>
+    <p:sldId id="370" r:id="rId28"/>
+    <p:sldId id="373" r:id="rId29"/>
+    <p:sldId id="363" r:id="rId30"/>
+    <p:sldId id="361" r:id="rId31"/>
+    <p:sldId id="362" r:id="rId32"/>
+    <p:sldId id="344" r:id="rId33"/>
   </p:sldIdLst>
   <p:sldSz cx="12192000" cy="6858000"/>
   <p:notesSz cx="6858000" cy="9144000"/>
@@ -135,6 +138,11 @@
       </a:defRPr>
     </a:lvl9pPr>
   </p:defaultTextStyle>
+  <p:extLst>
+    <p:ext uri="{EFAFB233-063F-42B5-8137-9DF3F51BA10A}">
+      <p15:sldGuideLst xmlns:p15="http://schemas.microsoft.com/office/powerpoint/2012/main"/>
+    </p:ext>
+  </p:extLst>
 </p:presentation>
 </file>
 
@@ -220,7 +228,7 @@
           <a:p>
             <a:fld id="{C7B2CA3C-9F84-3D49-8C13-F87FE998C423}" type="datetimeFigureOut">
               <a:rPr lang="en-US" smtClean="0"/>
-              <a:t>5/18/22</a:t>
+              <a:t>6/30/22</a:t>
             </a:fld>
             <a:endParaRPr lang="en-US"/>
           </a:p>
@@ -1008,7 +1016,7 @@
           <a:p>
             <a:fld id="{F469DFA8-35A7-204A-97E8-C6B483F9804B}" type="slidenum">
               <a:rPr lang="en-US" smtClean="0"/>
-              <a:t>16</a:t>
+              <a:t>18</a:t>
             </a:fld>
             <a:endParaRPr lang="en-US"/>
           </a:p>
@@ -1092,7 +1100,7 @@
           <a:p>
             <a:fld id="{2C536649-A6AB-4944-B850-656383FA9ED6}" type="slidenum">
               <a:rPr lang="en-US" smtClean="0"/>
-              <a:t>21</a:t>
+              <a:t>25</a:t>
             </a:fld>
             <a:endParaRPr lang="en-US"/>
           </a:p>
@@ -1176,7 +1184,7 @@
           <a:p>
             <a:fld id="{2C536649-A6AB-4944-B850-656383FA9ED6}" type="slidenum">
               <a:rPr lang="en-US" smtClean="0"/>
-              <a:t>22</a:t>
+              <a:t>26</a:t>
             </a:fld>
             <a:endParaRPr lang="en-US"/>
           </a:p>
@@ -1263,7 +1271,7 @@
           <a:p>
             <a:fld id="{2C536649-A6AB-4944-B850-656383FA9ED6}" type="slidenum">
               <a:rPr lang="en-US" smtClean="0"/>
-              <a:t>27</a:t>
+              <a:t>31</a:t>
             </a:fld>
             <a:endParaRPr lang="en-US"/>
           </a:p>
@@ -2134,7 +2142,7 @@
           <a:p>
             <a:fld id="{078B1FB4-0B1D-D943-B0E0-3D258008A535}" type="datetimeFigureOut">
               <a:rPr lang="en-US" smtClean="0"/>
-              <a:t>5/18/22</a:t>
+              <a:t>6/30/22</a:t>
             </a:fld>
             <a:endParaRPr lang="en-US"/>
           </a:p>
@@ -2332,7 +2340,7 @@
           <a:p>
             <a:fld id="{078B1FB4-0B1D-D943-B0E0-3D258008A535}" type="datetimeFigureOut">
               <a:rPr lang="en-US" smtClean="0"/>
-              <a:t>5/18/22</a:t>
+              <a:t>6/30/22</a:t>
             </a:fld>
             <a:endParaRPr lang="en-US"/>
           </a:p>
@@ -2540,7 +2548,7 @@
           <a:p>
             <a:fld id="{078B1FB4-0B1D-D943-B0E0-3D258008A535}" type="datetimeFigureOut">
               <a:rPr lang="en-US" smtClean="0"/>
-              <a:t>5/18/22</a:t>
+              <a:t>6/30/22</a:t>
             </a:fld>
             <a:endParaRPr lang="en-US"/>
           </a:p>
@@ -2738,7 +2746,7 @@
           <a:p>
             <a:fld id="{078B1FB4-0B1D-D943-B0E0-3D258008A535}" type="datetimeFigureOut">
               <a:rPr lang="en-US" smtClean="0"/>
-              <a:t>5/18/22</a:t>
+              <a:t>6/30/22</a:t>
             </a:fld>
             <a:endParaRPr lang="en-US"/>
           </a:p>
@@ -3013,7 +3021,7 @@
           <a:p>
             <a:fld id="{078B1FB4-0B1D-D943-B0E0-3D258008A535}" type="datetimeFigureOut">
               <a:rPr lang="en-US" smtClean="0"/>
-              <a:t>5/18/22</a:t>
+              <a:t>6/30/22</a:t>
             </a:fld>
             <a:endParaRPr lang="en-US"/>
           </a:p>
@@ -3278,7 +3286,7 @@
           <a:p>
             <a:fld id="{078B1FB4-0B1D-D943-B0E0-3D258008A535}" type="datetimeFigureOut">
               <a:rPr lang="en-US" smtClean="0"/>
-              <a:t>5/18/22</a:t>
+              <a:t>6/30/22</a:t>
             </a:fld>
             <a:endParaRPr lang="en-US"/>
           </a:p>
@@ -3690,7 +3698,7 @@
           <a:p>
             <a:fld id="{078B1FB4-0B1D-D943-B0E0-3D258008A535}" type="datetimeFigureOut">
               <a:rPr lang="en-US" smtClean="0"/>
-              <a:t>5/18/22</a:t>
+              <a:t>6/30/22</a:t>
             </a:fld>
             <a:endParaRPr lang="en-US"/>
           </a:p>
@@ -3831,7 +3839,7 @@
           <a:p>
             <a:fld id="{078B1FB4-0B1D-D943-B0E0-3D258008A535}" type="datetimeFigureOut">
               <a:rPr lang="en-US" smtClean="0"/>
-              <a:t>5/18/22</a:t>
+              <a:t>6/30/22</a:t>
             </a:fld>
             <a:endParaRPr lang="en-US"/>
           </a:p>
@@ -3944,7 +3952,7 @@
           <a:p>
             <a:fld id="{078B1FB4-0B1D-D943-B0E0-3D258008A535}" type="datetimeFigureOut">
               <a:rPr lang="en-US" smtClean="0"/>
-              <a:t>5/18/22</a:t>
+              <a:t>6/30/22</a:t>
             </a:fld>
             <a:endParaRPr lang="en-US"/>
           </a:p>
@@ -4255,7 +4263,7 @@
           <a:p>
             <a:fld id="{078B1FB4-0B1D-D943-B0E0-3D258008A535}" type="datetimeFigureOut">
               <a:rPr lang="en-US" smtClean="0"/>
-              <a:t>5/18/22</a:t>
+              <a:t>6/30/22</a:t>
             </a:fld>
             <a:endParaRPr lang="en-US"/>
           </a:p>
@@ -4543,7 +4551,7 @@
           <a:p>
             <a:fld id="{078B1FB4-0B1D-D943-B0E0-3D258008A535}" type="datetimeFigureOut">
               <a:rPr lang="en-US" smtClean="0"/>
-              <a:t>5/18/22</a:t>
+              <a:t>6/30/22</a:t>
             </a:fld>
             <a:endParaRPr lang="en-US"/>
           </a:p>
@@ -4784,7 +4792,7 @@
           <a:p>
             <a:fld id="{078B1FB4-0B1D-D943-B0E0-3D258008A535}" type="datetimeFigureOut">
               <a:rPr lang="en-US" smtClean="0"/>
-              <a:t>5/18/22</a:t>
+              <a:t>6/30/22</a:t>
             </a:fld>
             <a:endParaRPr lang="en-US"/>
           </a:p>
@@ -8863,7 +8871,7 @@
           <p:cNvPr id="2" name="Title 1">
             <a:extLst>
               <a:ext uri="{FF2B5EF4-FFF2-40B4-BE49-F238E27FC236}">
-                <a16:creationId xmlns:a16="http://schemas.microsoft.com/office/drawing/2014/main" id="{50421315-ECE7-4343-8858-4C4C807DF340}"/>
+                <a16:creationId xmlns:a16="http://schemas.microsoft.com/office/drawing/2014/main" id="{9F2F69A2-CCE9-FE41-8F6B-17EA25AF0BB7}"/>
               </a:ext>
             </a:extLst>
           </p:cNvPr>
@@ -8880,18 +8888,152 @@
           <a:lstStyle/>
           <a:p>
             <a:r>
+              <a:rPr lang="en-US" dirty="0" err="1"/>
+              <a:t>vDSO</a:t>
+            </a:r>
+            <a:r>
               <a:rPr lang="en-US" dirty="0"/>
-              <a:t>Discussion</a:t>
-            </a:r>
-          </a:p>
-        </p:txBody>
-      </p:sp>
-      <p:sp>
-        <p:nvSpPr>
-          <p:cNvPr id="3" name="Content Placeholder 2">
-            <a:extLst>
-              <a:ext uri="{FF2B5EF4-FFF2-40B4-BE49-F238E27FC236}">
-                <a16:creationId xmlns:a16="http://schemas.microsoft.com/office/drawing/2014/main" id="{2CB1AA26-6F85-CE4B-8A5D-0AC32E6429F6}"/>
+              <a:t> Calls</a:t>
+            </a:r>
+          </a:p>
+        </p:txBody>
+      </p:sp>
+      <p:pic>
+        <p:nvPicPr>
+          <p:cNvPr id="5" name="Picture 4">
+            <a:extLst>
+              <a:ext uri="{FF2B5EF4-FFF2-40B4-BE49-F238E27FC236}">
+                <a16:creationId xmlns:a16="http://schemas.microsoft.com/office/drawing/2014/main" id="{921FCD2C-AAEC-2C46-9AB9-6D5B9CFDA817}"/>
+              </a:ext>
+            </a:extLst>
+          </p:cNvPr>
+          <p:cNvPicPr>
+            <a:picLocks noChangeAspect="1"/>
+          </p:cNvPicPr>
+          <p:nvPr/>
+        </p:nvPicPr>
+        <p:blipFill>
+          <a:blip r:embed="rId2"/>
+          <a:stretch>
+            <a:fillRect/>
+          </a:stretch>
+        </p:blipFill>
+        <p:spPr>
+          <a:xfrm>
+            <a:off x="1064720" y="3077833"/>
+            <a:ext cx="5162112" cy="2920573"/>
+          </a:xfrm>
+          <a:prstGeom prst="rect">
+            <a:avLst/>
+          </a:prstGeom>
+        </p:spPr>
+      </p:pic>
+      <p:sp>
+        <p:nvSpPr>
+          <p:cNvPr id="7" name="TextBox 6">
+            <a:extLst>
+              <a:ext uri="{FF2B5EF4-FFF2-40B4-BE49-F238E27FC236}">
+                <a16:creationId xmlns:a16="http://schemas.microsoft.com/office/drawing/2014/main" id="{31E6FCF8-6B05-2F4C-AAE6-13292182E974}"/>
+              </a:ext>
+            </a:extLst>
+          </p:cNvPr>
+          <p:cNvSpPr txBox="1"/>
+          <p:nvPr/>
+        </p:nvSpPr>
+        <p:spPr>
+          <a:xfrm>
+            <a:off x="2489887" y="6133343"/>
+            <a:ext cx="2050113" cy="369332"/>
+          </a:xfrm>
+          <a:prstGeom prst="rect">
+            <a:avLst/>
+          </a:prstGeom>
+          <a:noFill/>
+        </p:spPr>
+        <p:txBody>
+          <a:bodyPr wrap="none" rtlCol="0">
+            <a:spAutoFit/>
+          </a:bodyPr>
+          <a:lstStyle/>
+          <a:p>
+            <a:r>
+              <a:rPr lang="en-US" dirty="0"/>
+              <a:t>Page mapped check</a:t>
+            </a:r>
+          </a:p>
+        </p:txBody>
+      </p:sp>
+      <p:sp>
+        <p:nvSpPr>
+          <p:cNvPr id="8" name="TextBox 7">
+            <a:extLst>
+              <a:ext uri="{FF2B5EF4-FFF2-40B4-BE49-F238E27FC236}">
+                <a16:creationId xmlns:a16="http://schemas.microsoft.com/office/drawing/2014/main" id="{13EA60F4-67A2-D74F-AA70-E0129E2DF882}"/>
+              </a:ext>
+            </a:extLst>
+          </p:cNvPr>
+          <p:cNvSpPr txBox="1"/>
+          <p:nvPr/>
+        </p:nvSpPr>
+        <p:spPr>
+          <a:xfrm>
+            <a:off x="7881309" y="6123543"/>
+            <a:ext cx="2752228" cy="369332"/>
+          </a:xfrm>
+          <a:prstGeom prst="rect">
+            <a:avLst/>
+          </a:prstGeom>
+          <a:noFill/>
+        </p:spPr>
+        <p:txBody>
+          <a:bodyPr wrap="none" rtlCol="0">
+            <a:spAutoFit/>
+          </a:bodyPr>
+          <a:lstStyle/>
+          <a:p>
+            <a:r>
+              <a:rPr lang="en-US" dirty="0"/>
+              <a:t>Page write-protected check</a:t>
+            </a:r>
+          </a:p>
+        </p:txBody>
+      </p:sp>
+      <p:pic>
+        <p:nvPicPr>
+          <p:cNvPr id="4" name="Picture 3">
+            <a:extLst>
+              <a:ext uri="{FF2B5EF4-FFF2-40B4-BE49-F238E27FC236}">
+                <a16:creationId xmlns:a16="http://schemas.microsoft.com/office/drawing/2014/main" id="{4FDBFD86-C684-FF4E-AAD0-6C3C38E35020}"/>
+              </a:ext>
+            </a:extLst>
+          </p:cNvPr>
+          <p:cNvPicPr>
+            <a:picLocks noChangeAspect="1"/>
+          </p:cNvPicPr>
+          <p:nvPr/>
+        </p:nvPicPr>
+        <p:blipFill>
+          <a:blip r:embed="rId3"/>
+          <a:stretch>
+            <a:fillRect/>
+          </a:stretch>
+        </p:blipFill>
+        <p:spPr>
+          <a:xfrm>
+            <a:off x="6453352" y="3077833"/>
+            <a:ext cx="4704294" cy="2931770"/>
+          </a:xfrm>
+          <a:prstGeom prst="rect">
+            <a:avLst/>
+          </a:prstGeom>
+        </p:spPr>
+      </p:pic>
+      <p:sp>
+        <p:nvSpPr>
+          <p:cNvPr id="9" name="Content Placeholder 8">
+            <a:extLst>
+              <a:ext uri="{FF2B5EF4-FFF2-40B4-BE49-F238E27FC236}">
+                <a16:creationId xmlns:a16="http://schemas.microsoft.com/office/drawing/2014/main" id="{62DDD296-979D-5C4C-8CBA-738C8556AD71}"/>
               </a:ext>
             </a:extLst>
           </p:cNvPr>
@@ -8902,42 +9044,11 @@
             <p:ph idx="1"/>
           </p:nvPr>
         </p:nvSpPr>
-        <p:spPr>
-          <a:xfrm>
-            <a:off x="838201" y="1825625"/>
-            <a:ext cx="6601178" cy="4351338"/>
-          </a:xfrm>
-          <a:ln>
-            <a:solidFill>
-              <a:schemeClr val="accent1"/>
-            </a:solidFill>
-          </a:ln>
-        </p:spPr>
-        <p:txBody>
-          <a:bodyPr>
-            <a:normAutofit/>
-          </a:bodyPr>
-          <a:lstStyle/>
-          <a:p>
-            <a:r>
-              <a:rPr lang="en-US" dirty="0"/>
-              <a:t>How to check for a write-protect fault?</a:t>
-            </a:r>
-          </a:p>
-          <a:p>
-            <a:r>
-              <a:rPr lang="en-US" dirty="0"/>
-              <a:t>How would I go about writing transparent upcalls?</a:t>
-            </a:r>
-          </a:p>
-          <a:p>
-            <a:pPr marL="0" indent="0">
-              <a:buNone/>
-            </a:pPr>
-            <a:endParaRPr lang="en-US" dirty="0"/>
-          </a:p>
-          <a:p>
-            <a:pPr lvl="1"/>
+        <p:spPr/>
+        <p:txBody>
+          <a:bodyPr/>
+          <a:lstStyle/>
+          <a:p>
             <a:endParaRPr lang="en-US" dirty="0"/>
           </a:p>
         </p:txBody>
@@ -8945,7 +9056,7 @@
     </p:spTree>
     <p:extLst>
       <p:ext uri="{BB962C8B-B14F-4D97-AF65-F5344CB8AC3E}">
-        <p14:creationId xmlns:p14="http://schemas.microsoft.com/office/powerpoint/2010/main" val="4160047564"/>
+        <p14:creationId xmlns:p14="http://schemas.microsoft.com/office/powerpoint/2010/main" val="3762357143"/>
       </p:ext>
     </p:extLst>
   </p:cSld>
@@ -8977,7 +9088,7 @@
           <p:cNvPr id="2" name="Title 1">
             <a:extLst>
               <a:ext uri="{FF2B5EF4-FFF2-40B4-BE49-F238E27FC236}">
-                <a16:creationId xmlns:a16="http://schemas.microsoft.com/office/drawing/2014/main" id="{29C475C1-3E08-6542-99C7-87829C5D0FB0}"/>
+                <a16:creationId xmlns:a16="http://schemas.microsoft.com/office/drawing/2014/main" id="{6D300CE4-10F7-C74F-9A34-E0689E89806D}"/>
               </a:ext>
             </a:extLst>
           </p:cNvPr>
@@ -8994,44 +9105,12 @@
           <a:lstStyle/>
           <a:p>
             <a:r>
+              <a:rPr lang="en-US" dirty="0" err="1"/>
+              <a:t>vDSO</a:t>
+            </a:r>
+            <a:r>
               <a:rPr lang="en-US" dirty="0"/>
-              <a:t>Micro: App-faults vs Userfaults</a:t>
-            </a:r>
-          </a:p>
-        </p:txBody>
-      </p:sp>
-      <p:sp>
-        <p:nvSpPr>
-          <p:cNvPr id="3" name="Content Placeholder 2">
-            <a:extLst>
-              <a:ext uri="{FF2B5EF4-FFF2-40B4-BE49-F238E27FC236}">
-                <a16:creationId xmlns:a16="http://schemas.microsoft.com/office/drawing/2014/main" id="{3CA53C0E-947E-D54A-9E6E-352A586CC120}"/>
-              </a:ext>
-            </a:extLst>
-          </p:cNvPr>
-          <p:cNvSpPr>
-            <a:spLocks noGrp="1"/>
-          </p:cNvSpPr>
-          <p:nvPr>
-            <p:ph idx="1"/>
-          </p:nvPr>
-        </p:nvSpPr>
-        <p:spPr>
-          <a:xfrm>
-            <a:off x="838200" y="5314949"/>
-            <a:ext cx="10515600" cy="862013"/>
-          </a:xfrm>
-        </p:spPr>
-        <p:txBody>
-          <a:bodyPr/>
-          <a:lstStyle/>
-          <a:p>
-            <a:pPr marL="0" indent="0">
-              <a:buNone/>
-            </a:pPr>
-            <a:r>
-              <a:rPr lang="en-US" dirty="0"/>
-              <a:t>Why the gap?</a:t>
+              <a:t> Calls</a:t>
             </a:r>
           </a:p>
         </p:txBody>
@@ -9041,7 +9120,7 @@
           <p:cNvPr id="4" name="Picture 3">
             <a:extLst>
               <a:ext uri="{FF2B5EF4-FFF2-40B4-BE49-F238E27FC236}">
-                <a16:creationId xmlns:a16="http://schemas.microsoft.com/office/drawing/2014/main" id="{17223C58-98C6-6D4B-9D82-5687AE7554F1}"/>
+                <a16:creationId xmlns:a16="http://schemas.microsoft.com/office/drawing/2014/main" id="{DAF373DF-AA4D-1349-9A57-EA8647C307A0}"/>
               </a:ext>
             </a:extLst>
           </p:cNvPr>
@@ -9058,8 +9137,8 @@
         </p:blipFill>
         <p:spPr>
           <a:xfrm>
-            <a:off x="755650" y="1543050"/>
-            <a:ext cx="10680700" cy="3771900"/>
+            <a:off x="838200" y="1690688"/>
+            <a:ext cx="7434755" cy="4362972"/>
           </a:xfrm>
           <a:prstGeom prst="rect">
             <a:avLst/>
@@ -9069,7 +9148,7 @@
     </p:spTree>
     <p:extLst>
       <p:ext uri="{BB962C8B-B14F-4D97-AF65-F5344CB8AC3E}">
-        <p14:creationId xmlns:p14="http://schemas.microsoft.com/office/powerpoint/2010/main" val="3008085260"/>
+        <p14:creationId xmlns:p14="http://schemas.microsoft.com/office/powerpoint/2010/main" val="4228056850"/>
       </p:ext>
     </p:extLst>
   </p:cSld>
@@ -9101,7 +9180,7 @@
           <p:cNvPr id="2" name="Title 1">
             <a:extLst>
               <a:ext uri="{FF2B5EF4-FFF2-40B4-BE49-F238E27FC236}">
-                <a16:creationId xmlns:a16="http://schemas.microsoft.com/office/drawing/2014/main" id="{13435EC2-2543-CE43-A687-68589186CDC5}"/>
+                <a16:creationId xmlns:a16="http://schemas.microsoft.com/office/drawing/2014/main" id="{50421315-ECE7-4343-8858-4C4C807DF340}"/>
               </a:ext>
             </a:extLst>
           </p:cNvPr>
@@ -9119,7 +9198,7 @@
           <a:p>
             <a:r>
               <a:rPr lang="en-US" dirty="0"/>
-              <a:t>Results Overview</a:t>
+              <a:t>Discussion</a:t>
             </a:r>
           </a:p>
         </p:txBody>
@@ -9129,7 +9208,7 @@
           <p:cNvPr id="3" name="Content Placeholder 2">
             <a:extLst>
               <a:ext uri="{FF2B5EF4-FFF2-40B4-BE49-F238E27FC236}">
-                <a16:creationId xmlns:a16="http://schemas.microsoft.com/office/drawing/2014/main" id="{B6804A56-0641-F74F-981D-1E01624CF280}"/>
+                <a16:creationId xmlns:a16="http://schemas.microsoft.com/office/drawing/2014/main" id="{2CB1AA26-6F85-CE4B-8A5D-0AC32E6429F6}"/>
               </a:ext>
             </a:extLst>
           </p:cNvPr>
@@ -9140,23 +9219,36 @@
             <p:ph idx="1"/>
           </p:nvPr>
         </p:nvSpPr>
-        <p:spPr/>
-        <p:txBody>
-          <a:bodyPr/>
+        <p:spPr>
+          <a:xfrm>
+            <a:off x="838201" y="1825625"/>
+            <a:ext cx="4859214" cy="4351338"/>
+          </a:xfrm>
+          <a:ln>
+            <a:solidFill>
+              <a:schemeClr val="accent1"/>
+            </a:solidFill>
+          </a:ln>
+        </p:spPr>
+        <p:txBody>
+          <a:bodyPr>
+            <a:normAutofit/>
+          </a:bodyPr>
           <a:lstStyle/>
           <a:p>
             <a:r>
               <a:rPr lang="en-US" dirty="0"/>
-              <a:t>Synthetic and Memcached apps</a:t>
-            </a:r>
-          </a:p>
-          <a:p>
-            <a:r>
-              <a:rPr lang="en-US" dirty="0"/>
-              <a:t>Changes to avoid dirtying on reads</a:t>
-            </a:r>
-          </a:p>
-          <a:p>
+              <a:t>How would I go about writing transparent upcalls?</a:t>
+            </a:r>
+          </a:p>
+          <a:p>
+            <a:pPr marL="0" indent="0">
+              <a:buNone/>
+            </a:pPr>
+            <a:endParaRPr lang="en-US" dirty="0"/>
+          </a:p>
+          <a:p>
+            <a:pPr lvl="1"/>
             <a:endParaRPr lang="en-US" dirty="0"/>
           </a:p>
         </p:txBody>
@@ -9164,7 +9256,7 @@
     </p:spTree>
     <p:extLst>
       <p:ext uri="{BB962C8B-B14F-4D97-AF65-F5344CB8AC3E}">
-        <p14:creationId xmlns:p14="http://schemas.microsoft.com/office/powerpoint/2010/main" val="356157675"/>
+        <p14:creationId xmlns:p14="http://schemas.microsoft.com/office/powerpoint/2010/main" val="4160047564"/>
       </p:ext>
     </p:extLst>
   </p:cSld>
@@ -9196,7 +9288,7 @@
           <p:cNvPr id="2" name="Title 1">
             <a:extLst>
               <a:ext uri="{FF2B5EF4-FFF2-40B4-BE49-F238E27FC236}">
-                <a16:creationId xmlns:a16="http://schemas.microsoft.com/office/drawing/2014/main" id="{4958F98C-56CE-D140-B214-A136AFC000D6}"/>
+                <a16:creationId xmlns:a16="http://schemas.microsoft.com/office/drawing/2014/main" id="{86D02B61-B431-7E48-8078-BAF89AC3523B}"/>
               </a:ext>
             </a:extLst>
           </p:cNvPr>
@@ -9214,7 +9306,7 @@
           <a:p>
             <a:r>
               <a:rPr lang="en-US" dirty="0"/>
-              <a:t>Results: Synthetic app</a:t>
+              <a:t>Finding fault Locations</a:t>
             </a:r>
           </a:p>
         </p:txBody>
@@ -9224,7 +9316,7 @@
           <p:cNvPr id="3" name="Content Placeholder 2">
             <a:extLst>
               <a:ext uri="{FF2B5EF4-FFF2-40B4-BE49-F238E27FC236}">
-                <a16:creationId xmlns:a16="http://schemas.microsoft.com/office/drawing/2014/main" id="{55472985-2F15-1B4A-B923-FD3AB0ABE82F}"/>
+                <a16:creationId xmlns:a16="http://schemas.microsoft.com/office/drawing/2014/main" id="{34FCFFB9-CD71-6E4B-B3B0-B898211A766A}"/>
               </a:ext>
             </a:extLst>
           </p:cNvPr>
@@ -9235,78 +9327,44 @@
             <p:ph idx="1"/>
           </p:nvPr>
         </p:nvSpPr>
-        <p:spPr>
-          <a:xfrm>
-            <a:off x="838200" y="1825625"/>
-            <a:ext cx="6104467" cy="4351338"/>
-          </a:xfrm>
-        </p:spPr>
+        <p:spPr/>
         <p:txBody>
           <a:bodyPr/>
           <a:lstStyle/>
           <a:p>
             <a:r>
               <a:rPr lang="en-US" dirty="0"/>
-              <a:t>Custom-written web service frontend</a:t>
+              <a:t>(Kernel) Included IP register in the UFFD messages</a:t>
             </a:r>
           </a:p>
           <a:p>
             <a:r>
               <a:rPr lang="en-US" dirty="0"/>
-              <a:t>On each request:</a:t>
-            </a:r>
-          </a:p>
-          <a:p>
-            <a:pPr lvl="1"/>
+              <a:t>Turn off PIE/ASLR</a:t>
+            </a:r>
+          </a:p>
+          <a:p>
+            <a:r>
+              <a:rPr lang="en-US" i="1" dirty="0"/>
+              <a:t>addr2line</a:t>
+            </a:r>
             <a:r>
               <a:rPr lang="en-US" dirty="0"/>
-              <a:t>Looks up hash table for blob index</a:t>
-            </a:r>
-          </a:p>
-          <a:p>
-            <a:pPr lvl="1"/>
+              <a:t> prints out code location!</a:t>
+            </a:r>
+          </a:p>
+          <a:p>
             <a:r>
               <a:rPr lang="en-US" dirty="0"/>
-              <a:t>Compresses the blob (8 KB)</a:t>
-            </a:r>
-          </a:p>
-          <a:p>
-            <a:r>
-              <a:rPr lang="en-US" dirty="0"/>
-              <a:t>50M </a:t>
-            </a:r>
-            <a:r>
-              <a:rPr lang="en-US" dirty="0" err="1"/>
-              <a:t>kv</a:t>
-            </a:r>
-            <a:r>
-              <a:rPr lang="en-US" dirty="0"/>
-              <a:t> pairs, 400k blobs –&gt; 6 GB</a:t>
-            </a:r>
-          </a:p>
-          <a:p>
-            <a:r>
-              <a:rPr lang="en-US" dirty="0"/>
-              <a:t>Skewed request distribution (</a:t>
-            </a:r>
-            <a:r>
-              <a:rPr lang="en-US" dirty="0" err="1"/>
-              <a:t>zipfs</a:t>
-            </a:r>
-            <a:r>
-              <a:rPr lang="en-US" dirty="0"/>
-              <a:t> = 1)</a:t>
-            </a:r>
-          </a:p>
-          <a:p>
-            <a:endParaRPr lang="en-US" dirty="0"/>
+              <a:t>Added random fault sampling in Kona</a:t>
+            </a:r>
           </a:p>
         </p:txBody>
       </p:sp>
     </p:spTree>
     <p:extLst>
       <p:ext uri="{BB962C8B-B14F-4D97-AF65-F5344CB8AC3E}">
-        <p14:creationId xmlns:p14="http://schemas.microsoft.com/office/powerpoint/2010/main" val="3679853381"/>
+        <p14:creationId xmlns:p14="http://schemas.microsoft.com/office/powerpoint/2010/main" val="2046583383"/>
       </p:ext>
     </p:extLst>
   </p:cSld>
@@ -9484,7 +9542,7 @@
           <p:cNvPr id="2" name="Title 1">
             <a:extLst>
               <a:ext uri="{FF2B5EF4-FFF2-40B4-BE49-F238E27FC236}">
-                <a16:creationId xmlns:a16="http://schemas.microsoft.com/office/drawing/2014/main" id="{C7BAC3F4-0464-4B4B-838B-027567C2DDC8}"/>
+                <a16:creationId xmlns:a16="http://schemas.microsoft.com/office/drawing/2014/main" id="{B3F88331-72EE-0D4A-9608-B008E4122235}"/>
               </a:ext>
             </a:extLst>
           </p:cNvPr>
@@ -9502,17 +9560,17 @@
           <a:p>
             <a:r>
               <a:rPr lang="en-US" dirty="0"/>
-              <a:t>Results: Synthetic app</a:t>
+              <a:t>Fault Location Frequency</a:t>
             </a:r>
           </a:p>
         </p:txBody>
       </p:sp>
       <p:pic>
         <p:nvPicPr>
-          <p:cNvPr id="5" name="Picture 4">
-            <a:extLst>
-              <a:ext uri="{FF2B5EF4-FFF2-40B4-BE49-F238E27FC236}">
-                <a16:creationId xmlns:a16="http://schemas.microsoft.com/office/drawing/2014/main" id="{EA423D56-1AB9-7B43-B669-352C1F97AD76}"/>
+          <p:cNvPr id="4" name="Picture 3">
+            <a:extLst>
+              <a:ext uri="{FF2B5EF4-FFF2-40B4-BE49-F238E27FC236}">
+                <a16:creationId xmlns:a16="http://schemas.microsoft.com/office/drawing/2014/main" id="{28D33397-E8D4-B342-B5CD-87560F2501BC}"/>
               </a:ext>
             </a:extLst>
           </p:cNvPr>
@@ -9521,26 +9579,227 @@
           </p:cNvPicPr>
           <p:nvPr/>
         </p:nvPicPr>
-        <p:blipFill>
+        <p:blipFill rotWithShape="1">
           <a:blip r:embed="rId2"/>
-          <a:stretch>
-            <a:fillRect/>
-          </a:stretch>
+          <a:srcRect r="18204"/>
+          <a:stretch/>
         </p:blipFill>
         <p:spPr>
           <a:xfrm>
-            <a:off x="1263431" y="2296948"/>
-            <a:ext cx="9993148" cy="3359581"/>
+            <a:off x="5042004" y="1761681"/>
+            <a:ext cx="2345115" cy="3295116"/>
           </a:xfrm>
           <a:prstGeom prst="rect">
             <a:avLst/>
           </a:prstGeom>
         </p:spPr>
       </p:pic>
+      <p:pic>
+        <p:nvPicPr>
+          <p:cNvPr id="5" name="Picture 4">
+            <a:extLst>
+              <a:ext uri="{FF2B5EF4-FFF2-40B4-BE49-F238E27FC236}">
+                <a16:creationId xmlns:a16="http://schemas.microsoft.com/office/drawing/2014/main" id="{5B68CC59-59C8-FA47-975F-D1760266A3DE}"/>
+              </a:ext>
+            </a:extLst>
+          </p:cNvPr>
+          <p:cNvPicPr>
+            <a:picLocks noChangeAspect="1"/>
+          </p:cNvPicPr>
+          <p:nvPr/>
+        </p:nvPicPr>
+        <p:blipFill rotWithShape="1">
+          <a:blip r:embed="rId3"/>
+          <a:srcRect r="43621"/>
+          <a:stretch/>
+        </p:blipFill>
+        <p:spPr>
+          <a:xfrm>
+            <a:off x="1714358" y="1781442"/>
+            <a:ext cx="2128178" cy="3295116"/>
+          </a:xfrm>
+          <a:prstGeom prst="rect">
+            <a:avLst/>
+          </a:prstGeom>
+        </p:spPr>
+      </p:pic>
+      <p:sp>
+        <p:nvSpPr>
+          <p:cNvPr id="6" name="TextBox 5">
+            <a:extLst>
+              <a:ext uri="{FF2B5EF4-FFF2-40B4-BE49-F238E27FC236}">
+                <a16:creationId xmlns:a16="http://schemas.microsoft.com/office/drawing/2014/main" id="{F00CFC6A-CF4A-874B-AEA8-90E8AF6AAFC0}"/>
+              </a:ext>
+            </a:extLst>
+          </p:cNvPr>
+          <p:cNvSpPr txBox="1"/>
+          <p:nvPr/>
+        </p:nvSpPr>
+        <p:spPr>
+          <a:xfrm>
+            <a:off x="2558265" y="5404207"/>
+            <a:ext cx="569387" cy="369332"/>
+          </a:xfrm>
+          <a:prstGeom prst="rect">
+            <a:avLst/>
+          </a:prstGeom>
+          <a:noFill/>
+          <a:ln>
+            <a:solidFill>
+              <a:schemeClr val="tx1"/>
+            </a:solidFill>
+          </a:ln>
+        </p:spPr>
+        <p:txBody>
+          <a:bodyPr wrap="none" rtlCol="0">
+            <a:spAutoFit/>
+          </a:bodyPr>
+          <a:lstStyle/>
+          <a:p>
+            <a:r>
+              <a:rPr lang="en-US" dirty="0"/>
+              <a:t>Sort</a:t>
+            </a:r>
+          </a:p>
+        </p:txBody>
+      </p:sp>
+      <p:sp>
+        <p:nvSpPr>
+          <p:cNvPr id="7" name="TextBox 6">
+            <a:extLst>
+              <a:ext uri="{FF2B5EF4-FFF2-40B4-BE49-F238E27FC236}">
+                <a16:creationId xmlns:a16="http://schemas.microsoft.com/office/drawing/2014/main" id="{DDF9A732-839D-4B42-B0D9-EC5A9290CC81}"/>
+              </a:ext>
+            </a:extLst>
+          </p:cNvPr>
+          <p:cNvSpPr txBox="1"/>
+          <p:nvPr/>
+        </p:nvSpPr>
+        <p:spPr>
+          <a:xfrm>
+            <a:off x="5569925" y="5404207"/>
+            <a:ext cx="1052148" cy="369332"/>
+          </a:xfrm>
+          <a:prstGeom prst="rect">
+            <a:avLst/>
+          </a:prstGeom>
+          <a:noFill/>
+          <a:ln>
+            <a:solidFill>
+              <a:schemeClr val="tx1"/>
+            </a:solidFill>
+          </a:ln>
+        </p:spPr>
+        <p:txBody>
+          <a:bodyPr wrap="none" rtlCol="0">
+            <a:spAutoFit/>
+          </a:bodyPr>
+          <a:lstStyle/>
+          <a:p>
+            <a:r>
+              <a:rPr lang="en-US" dirty="0"/>
+              <a:t>Synthetic</a:t>
+            </a:r>
+          </a:p>
+        </p:txBody>
+      </p:sp>
+      <p:sp>
+        <p:nvSpPr>
+          <p:cNvPr id="10" name="TextBox 9">
+            <a:extLst>
+              <a:ext uri="{FF2B5EF4-FFF2-40B4-BE49-F238E27FC236}">
+                <a16:creationId xmlns:a16="http://schemas.microsoft.com/office/drawing/2014/main" id="{8F4B44CC-62BE-714B-A090-3B57B9E40E71}"/>
+              </a:ext>
+            </a:extLst>
+          </p:cNvPr>
+          <p:cNvSpPr txBox="1"/>
+          <p:nvPr/>
+        </p:nvSpPr>
+        <p:spPr>
+          <a:xfrm>
+            <a:off x="9184755" y="5402887"/>
+            <a:ext cx="1344920" cy="369332"/>
+          </a:xfrm>
+          <a:prstGeom prst="rect">
+            <a:avLst/>
+          </a:prstGeom>
+          <a:noFill/>
+          <a:ln>
+            <a:solidFill>
+              <a:schemeClr val="tx1"/>
+            </a:solidFill>
+          </a:ln>
+        </p:spPr>
+        <p:txBody>
+          <a:bodyPr wrap="none" rtlCol="0">
+            <a:spAutoFit/>
+          </a:bodyPr>
+          <a:lstStyle/>
+          <a:p>
+            <a:r>
+              <a:rPr lang="en-US" dirty="0"/>
+              <a:t>Memcached</a:t>
+            </a:r>
+          </a:p>
+        </p:txBody>
+      </p:sp>
+      <p:sp>
+        <p:nvSpPr>
+          <p:cNvPr id="12" name="Rectangle 11">
+            <a:extLst>
+              <a:ext uri="{FF2B5EF4-FFF2-40B4-BE49-F238E27FC236}">
+                <a16:creationId xmlns:a16="http://schemas.microsoft.com/office/drawing/2014/main" id="{796E9DE9-8539-1843-BE3C-1AA532CA6BDD}"/>
+              </a:ext>
+            </a:extLst>
+          </p:cNvPr>
+          <p:cNvSpPr/>
+          <p:nvPr/>
+        </p:nvSpPr>
+        <p:spPr>
+          <a:xfrm>
+            <a:off x="8669245" y="1747491"/>
+            <a:ext cx="2375939" cy="3292278"/>
+          </a:xfrm>
+          <a:prstGeom prst="rect">
+            <a:avLst/>
+          </a:prstGeom>
+          <a:noFill/>
+          <a:ln w="15875">
+            <a:solidFill>
+              <a:schemeClr val="tx1"/>
+            </a:solidFill>
+            <a:prstDash val="sysDash"/>
+          </a:ln>
+        </p:spPr>
+        <p:style>
+          <a:lnRef idx="2">
+            <a:schemeClr val="accent1">
+              <a:shade val="50000"/>
+            </a:schemeClr>
+          </a:lnRef>
+          <a:fillRef idx="1">
+            <a:schemeClr val="accent1"/>
+          </a:fillRef>
+          <a:effectRef idx="0">
+            <a:schemeClr val="accent1"/>
+          </a:effectRef>
+          <a:fontRef idx="minor">
+            <a:schemeClr val="lt1"/>
+          </a:fontRef>
+        </p:style>
+        <p:txBody>
+          <a:bodyPr rtlCol="0" anchor="ctr"/>
+          <a:lstStyle/>
+          <a:p>
+            <a:pPr algn="ctr"/>
+            <a:endParaRPr lang="en-US"/>
+          </a:p>
+        </p:txBody>
+      </p:sp>
     </p:spTree>
     <p:extLst>
       <p:ext uri="{BB962C8B-B14F-4D97-AF65-F5344CB8AC3E}">
-        <p14:creationId xmlns:p14="http://schemas.microsoft.com/office/powerpoint/2010/main" val="577469233"/>
+        <p14:creationId xmlns:p14="http://schemas.microsoft.com/office/powerpoint/2010/main" val="1646465034"/>
       </p:ext>
     </p:extLst>
   </p:cSld>
@@ -9572,7 +9831,7 @@
           <p:cNvPr id="2" name="Title 1">
             <a:extLst>
               <a:ext uri="{FF2B5EF4-FFF2-40B4-BE49-F238E27FC236}">
-                <a16:creationId xmlns:a16="http://schemas.microsoft.com/office/drawing/2014/main" id="{C7BAC3F4-0464-4B4B-838B-027567C2DDC8}"/>
+                <a16:creationId xmlns:a16="http://schemas.microsoft.com/office/drawing/2014/main" id="{29C475C1-3E08-6542-99C7-87829C5D0FB0}"/>
               </a:ext>
             </a:extLst>
           </p:cNvPr>
@@ -9590,7 +9849,43 @@
           <a:p>
             <a:r>
               <a:rPr lang="en-US" dirty="0"/>
-              <a:t>Results: Synthetic app</a:t>
+              <a:t>Micro: App-faults vs Userfaults</a:t>
+            </a:r>
+          </a:p>
+        </p:txBody>
+      </p:sp>
+      <p:sp>
+        <p:nvSpPr>
+          <p:cNvPr id="3" name="Content Placeholder 2">
+            <a:extLst>
+              <a:ext uri="{FF2B5EF4-FFF2-40B4-BE49-F238E27FC236}">
+                <a16:creationId xmlns:a16="http://schemas.microsoft.com/office/drawing/2014/main" id="{3CA53C0E-947E-D54A-9E6E-352A586CC120}"/>
+              </a:ext>
+            </a:extLst>
+          </p:cNvPr>
+          <p:cNvSpPr>
+            <a:spLocks noGrp="1"/>
+          </p:cNvSpPr>
+          <p:nvPr>
+            <p:ph idx="1"/>
+          </p:nvPr>
+        </p:nvSpPr>
+        <p:spPr>
+          <a:xfrm>
+            <a:off x="838200" y="5314949"/>
+            <a:ext cx="10515600" cy="862013"/>
+          </a:xfrm>
+        </p:spPr>
+        <p:txBody>
+          <a:bodyPr/>
+          <a:lstStyle/>
+          <a:p>
+            <a:pPr marL="0" indent="0">
+              <a:buNone/>
+            </a:pPr>
+            <a:r>
+              <a:rPr lang="en-US" dirty="0"/>
+              <a:t>Why the gap?</a:t>
             </a:r>
           </a:p>
         </p:txBody>
@@ -9600,7 +9895,7 @@
           <p:cNvPr id="4" name="Picture 3">
             <a:extLst>
               <a:ext uri="{FF2B5EF4-FFF2-40B4-BE49-F238E27FC236}">
-                <a16:creationId xmlns:a16="http://schemas.microsoft.com/office/drawing/2014/main" id="{533CFFC9-64F8-7543-B817-71B139311987}"/>
+                <a16:creationId xmlns:a16="http://schemas.microsoft.com/office/drawing/2014/main" id="{17223C58-98C6-6D4B-9D82-5687AE7554F1}"/>
               </a:ext>
             </a:extLst>
           </p:cNvPr>
@@ -9610,15 +9905,15 @@
           <p:nvPr/>
         </p:nvPicPr>
         <p:blipFill>
-          <a:blip r:embed="rId3"/>
+          <a:blip r:embed="rId2"/>
           <a:stretch>
             <a:fillRect/>
           </a:stretch>
         </p:blipFill>
         <p:spPr>
           <a:xfrm>
-            <a:off x="1263431" y="2296948"/>
-            <a:ext cx="9903810" cy="3329546"/>
+            <a:off x="755650" y="1543050"/>
+            <a:ext cx="10680700" cy="3771900"/>
           </a:xfrm>
           <a:prstGeom prst="rect">
             <a:avLst/>
@@ -9628,7 +9923,7 @@
     </p:spTree>
     <p:extLst>
       <p:ext uri="{BB962C8B-B14F-4D97-AF65-F5344CB8AC3E}">
-        <p14:creationId xmlns:p14="http://schemas.microsoft.com/office/powerpoint/2010/main" val="1785132177"/>
+        <p14:creationId xmlns:p14="http://schemas.microsoft.com/office/powerpoint/2010/main" val="3008085260"/>
       </p:ext>
     </p:extLst>
   </p:cSld>
@@ -9660,7 +9955,7 @@
           <p:cNvPr id="2" name="Title 1">
             <a:extLst>
               <a:ext uri="{FF2B5EF4-FFF2-40B4-BE49-F238E27FC236}">
-                <a16:creationId xmlns:a16="http://schemas.microsoft.com/office/drawing/2014/main" id="{C7BAC3F4-0464-4B4B-838B-027567C2DDC8}"/>
+                <a16:creationId xmlns:a16="http://schemas.microsoft.com/office/drawing/2014/main" id="{13435EC2-2543-CE43-A687-68589186CDC5}"/>
               </a:ext>
             </a:extLst>
           </p:cNvPr>
@@ -9678,80 +9973,66 @@
           <a:p>
             <a:r>
               <a:rPr lang="en-US" dirty="0"/>
-              <a:t>Results: Synthetic app</a:t>
-            </a:r>
-          </a:p>
-        </p:txBody>
-      </p:sp>
-      <p:pic>
-        <p:nvPicPr>
-          <p:cNvPr id="4" name="Picture 3">
-            <a:extLst>
-              <a:ext uri="{FF2B5EF4-FFF2-40B4-BE49-F238E27FC236}">
-                <a16:creationId xmlns:a16="http://schemas.microsoft.com/office/drawing/2014/main" id="{DAA9D08A-D0E5-8F49-B38B-21C2EDB51717}"/>
-              </a:ext>
-            </a:extLst>
-          </p:cNvPr>
-          <p:cNvPicPr>
-            <a:picLocks noChangeAspect="1"/>
-          </p:cNvPicPr>
-          <p:nvPr/>
-        </p:nvPicPr>
-        <p:blipFill>
-          <a:blip r:embed="rId3"/>
-          <a:stretch>
-            <a:fillRect/>
-          </a:stretch>
-        </p:blipFill>
-        <p:spPr>
-          <a:xfrm>
-            <a:off x="1263431" y="2296948"/>
-            <a:ext cx="9903810" cy="3329546"/>
-          </a:xfrm>
-          <a:prstGeom prst="rect">
-            <a:avLst/>
-          </a:prstGeom>
-        </p:spPr>
-      </p:pic>
-      <p:sp>
-        <p:nvSpPr>
-          <p:cNvPr id="5" name="TextBox 4">
-            <a:extLst>
-              <a:ext uri="{FF2B5EF4-FFF2-40B4-BE49-F238E27FC236}">
-                <a16:creationId xmlns:a16="http://schemas.microsoft.com/office/drawing/2014/main" id="{EC254231-C191-1448-9E63-80D1B2125640}"/>
-              </a:ext>
-            </a:extLst>
-          </p:cNvPr>
-          <p:cNvSpPr txBox="1"/>
-          <p:nvPr/>
-        </p:nvSpPr>
-        <p:spPr>
-          <a:xfrm>
-            <a:off x="3404403" y="5863422"/>
-            <a:ext cx="2810933" cy="369332"/>
-          </a:xfrm>
-          <a:prstGeom prst="rect">
-            <a:avLst/>
-          </a:prstGeom>
-          <a:noFill/>
-        </p:spPr>
-        <p:txBody>
-          <a:bodyPr wrap="square">
-            <a:spAutoFit/>
-          </a:bodyPr>
+              <a:t>Results Overview</a:t>
+            </a:r>
+          </a:p>
+        </p:txBody>
+      </p:sp>
+      <p:sp>
+        <p:nvSpPr>
+          <p:cNvPr id="3" name="Content Placeholder 2">
+            <a:extLst>
+              <a:ext uri="{FF2B5EF4-FFF2-40B4-BE49-F238E27FC236}">
+                <a16:creationId xmlns:a16="http://schemas.microsoft.com/office/drawing/2014/main" id="{B6804A56-0641-F74F-981D-1E01624CF280}"/>
+              </a:ext>
+            </a:extLst>
+          </p:cNvPr>
+          <p:cNvSpPr>
+            <a:spLocks noGrp="1"/>
+          </p:cNvSpPr>
+          <p:nvPr>
+            <p:ph idx="1"/>
+          </p:nvPr>
+        </p:nvSpPr>
+        <p:spPr/>
+        <p:txBody>
+          <a:bodyPr/>
           <a:lstStyle/>
           <a:p>
             <a:r>
               <a:rPr lang="en-US" dirty="0"/>
-              <a:t>(more compute intensive)</a:t>
-            </a:r>
+              <a:t>Synthetic and Memcached apps</a:t>
+            </a:r>
+          </a:p>
+          <a:p>
+            <a:r>
+              <a:rPr lang="en-US" dirty="0"/>
+              <a:t>Remote memory-friendly changes</a:t>
+            </a:r>
+          </a:p>
+          <a:p>
+            <a:pPr lvl="1"/>
+            <a:r>
+              <a:rPr lang="en-US" dirty="0"/>
+              <a:t>Avoid dirtying on reads</a:t>
+            </a:r>
+          </a:p>
+          <a:p>
+            <a:pPr lvl="1"/>
+            <a:r>
+              <a:rPr lang="en-US" dirty="0"/>
+              <a:t>Concentrate locks at one place</a:t>
+            </a:r>
+          </a:p>
+          <a:p>
+            <a:endParaRPr lang="en-US" dirty="0"/>
           </a:p>
         </p:txBody>
       </p:sp>
     </p:spTree>
     <p:extLst>
       <p:ext uri="{BB962C8B-B14F-4D97-AF65-F5344CB8AC3E}">
-        <p14:creationId xmlns:p14="http://schemas.microsoft.com/office/powerpoint/2010/main" val="611610755"/>
+        <p14:creationId xmlns:p14="http://schemas.microsoft.com/office/powerpoint/2010/main" val="356157675"/>
       </p:ext>
     </p:extLst>
   </p:cSld>
@@ -9783,7 +10064,7 @@
           <p:cNvPr id="2" name="Title 1">
             <a:extLst>
               <a:ext uri="{FF2B5EF4-FFF2-40B4-BE49-F238E27FC236}">
-                <a16:creationId xmlns:a16="http://schemas.microsoft.com/office/drawing/2014/main" id="{9156294D-CDC0-1D46-A426-5C843734E12A}"/>
+                <a16:creationId xmlns:a16="http://schemas.microsoft.com/office/drawing/2014/main" id="{4958F98C-56CE-D140-B214-A136AFC000D6}"/>
               </a:ext>
             </a:extLst>
           </p:cNvPr>
@@ -9801,7 +10082,7 @@
           <a:p>
             <a:r>
               <a:rPr lang="en-US" dirty="0"/>
-              <a:t>Results: Memcached</a:t>
+              <a:t>Results: Synthetic app</a:t>
             </a:r>
           </a:p>
         </p:txBody>
@@ -9811,7 +10092,7 @@
           <p:cNvPr id="3" name="Content Placeholder 2">
             <a:extLst>
               <a:ext uri="{FF2B5EF4-FFF2-40B4-BE49-F238E27FC236}">
-                <a16:creationId xmlns:a16="http://schemas.microsoft.com/office/drawing/2014/main" id="{CF645EBB-38EE-6246-AC89-B101918B2D63}"/>
+                <a16:creationId xmlns:a16="http://schemas.microsoft.com/office/drawing/2014/main" id="{55472985-2F15-1B4A-B923-FD3AB0ABE82F}"/>
               </a:ext>
             </a:extLst>
           </p:cNvPr>
@@ -9825,13 +10106,8 @@
         <p:spPr>
           <a:xfrm>
             <a:off x="838200" y="1825625"/>
-            <a:ext cx="5404556" cy="4351338"/>
-          </a:xfrm>
-          <a:ln>
-            <a:solidFill>
-              <a:schemeClr val="accent1"/>
-            </a:solidFill>
-          </a:ln>
+            <a:ext cx="6104467" cy="4351338"/>
+          </a:xfrm>
         </p:spPr>
         <p:txBody>
           <a:bodyPr/>
@@ -9839,80 +10115,66 @@
           <a:p>
             <a:r>
               <a:rPr lang="en-US" dirty="0"/>
-              <a:t>10M pairs</a:t>
+              <a:t>Custom-written web service frontend</a:t>
             </a:r>
           </a:p>
           <a:p>
             <a:r>
               <a:rPr lang="en-US" dirty="0"/>
-              <a:t>100B key-value size</a:t>
-            </a:r>
-          </a:p>
-          <a:p>
+              <a:t>On each request:</a:t>
+            </a:r>
+          </a:p>
+          <a:p>
+            <a:pPr lvl="1"/>
             <a:r>
               <a:rPr lang="en-US" dirty="0"/>
-              <a:t>2GB total memory</a:t>
-            </a:r>
-          </a:p>
-          <a:p>
+              <a:t>Looks up hash table for blob index</a:t>
+            </a:r>
+          </a:p>
+          <a:p>
+            <a:pPr lvl="1"/>
             <a:r>
               <a:rPr lang="en-US" dirty="0"/>
-              <a:t>Uniform distribution</a:t>
+              <a:t>Compresses the blob (8 KB)</a:t>
+            </a:r>
+          </a:p>
+          <a:p>
+            <a:r>
+              <a:rPr lang="en-US" dirty="0"/>
+              <a:t>50M </a:t>
+            </a:r>
+            <a:r>
+              <a:rPr lang="en-US" dirty="0" err="1"/>
+              <a:t>kv</a:t>
+            </a:r>
+            <a:r>
+              <a:rPr lang="en-US" dirty="0"/>
+              <a:t> pairs, 400k blobs –&gt; 6 GB</a:t>
+            </a:r>
+          </a:p>
+          <a:p>
+            <a:r>
+              <a:rPr lang="en-US" dirty="0"/>
+              <a:t>Skewed request distribution (</a:t>
+            </a:r>
+            <a:r>
+              <a:rPr lang="en-US" dirty="0" err="1"/>
+              <a:t>zipfs</a:t>
+            </a:r>
+            <a:r>
+              <a:rPr lang="en-US" dirty="0"/>
+              <a:t> = 1)</a:t>
             </a:r>
           </a:p>
           <a:p>
             <a:endParaRPr lang="en-US" dirty="0"/>
           </a:p>
-          <a:p>
-            <a:pPr marL="0" indent="0">
-              <a:buNone/>
-            </a:pPr>
-            <a:r>
-              <a:rPr lang="en-US" dirty="0"/>
-              <a:t>Yet to try more skewed workloads</a:t>
-            </a:r>
-          </a:p>
-        </p:txBody>
-      </p:sp>
-      <p:pic>
-        <p:nvPicPr>
-          <p:cNvPr id="4" name="Picture 3">
-            <a:extLst>
-              <a:ext uri="{FF2B5EF4-FFF2-40B4-BE49-F238E27FC236}">
-                <a16:creationId xmlns:a16="http://schemas.microsoft.com/office/drawing/2014/main" id="{368287F0-122A-5E42-A663-6DB4473C87B2}"/>
-              </a:ext>
-            </a:extLst>
-          </p:cNvPr>
-          <p:cNvPicPr>
-            <a:picLocks noChangeAspect="1"/>
-          </p:cNvPicPr>
-          <p:nvPr/>
-        </p:nvPicPr>
-        <p:blipFill>
-          <a:blip r:embed="rId2"/>
-          <a:stretch>
-            <a:fillRect/>
-          </a:stretch>
-        </p:blipFill>
-        <p:spPr>
-          <a:xfrm>
-            <a:off x="6668993" y="1971735"/>
-            <a:ext cx="5204477" cy="3537242"/>
-          </a:xfrm>
-          <a:prstGeom prst="rect">
-            <a:avLst/>
-          </a:prstGeom>
-          <a:ln>
-            <a:solidFill>
-              <a:schemeClr val="tx1"/>
-            </a:solidFill>
-          </a:ln>
-        </p:spPr>
-      </p:pic>
+        </p:txBody>
+      </p:sp>
     </p:spTree>
     <p:extLst>
       <p:ext uri="{BB962C8B-B14F-4D97-AF65-F5344CB8AC3E}">
-        <p14:creationId xmlns:p14="http://schemas.microsoft.com/office/powerpoint/2010/main" val="2609475140"/>
+        <p14:creationId xmlns:p14="http://schemas.microsoft.com/office/powerpoint/2010/main" val="3679853381"/>
       </p:ext>
     </p:extLst>
   </p:cSld>
@@ -9944,7 +10206,7 @@
           <p:cNvPr id="2" name="Title 1">
             <a:extLst>
               <a:ext uri="{FF2B5EF4-FFF2-40B4-BE49-F238E27FC236}">
-                <a16:creationId xmlns:a16="http://schemas.microsoft.com/office/drawing/2014/main" id="{A1827905-3645-6B47-AFC1-D79CFA198825}"/>
+                <a16:creationId xmlns:a16="http://schemas.microsoft.com/office/drawing/2014/main" id="{C7BAC3F4-0464-4B4B-838B-027567C2DDC8}"/>
               </a:ext>
             </a:extLst>
           </p:cNvPr>
@@ -9962,60 +10224,17 @@
           <a:p>
             <a:r>
               <a:rPr lang="en-US" dirty="0"/>
-              <a:t>Simulations</a:t>
-            </a:r>
-          </a:p>
-        </p:txBody>
-      </p:sp>
-      <p:sp>
-        <p:nvSpPr>
-          <p:cNvPr id="3" name="Content Placeholder 2">
-            <a:extLst>
-              <a:ext uri="{FF2B5EF4-FFF2-40B4-BE49-F238E27FC236}">
-                <a16:creationId xmlns:a16="http://schemas.microsoft.com/office/drawing/2014/main" id="{8C1638D3-B886-2745-AFB8-9C3E34D99AF4}"/>
-              </a:ext>
-            </a:extLst>
-          </p:cNvPr>
-          <p:cNvSpPr>
-            <a:spLocks noGrp="1"/>
-          </p:cNvSpPr>
-          <p:nvPr>
-            <p:ph idx="1"/>
-          </p:nvPr>
-        </p:nvSpPr>
-        <p:spPr>
-          <a:xfrm>
-            <a:off x="838200" y="1825625"/>
-            <a:ext cx="4873978" cy="1222375"/>
-          </a:xfrm>
-          <a:ln>
-            <a:solidFill>
-              <a:schemeClr val="accent1"/>
-            </a:solidFill>
-          </a:ln>
-        </p:spPr>
-        <p:txBody>
-          <a:bodyPr>
-            <a:normAutofit/>
-          </a:bodyPr>
-          <a:lstStyle/>
-          <a:p>
-            <a:pPr marL="0" indent="0">
-              <a:buNone/>
-            </a:pPr>
-            <a:r>
-              <a:rPr lang="en-US" sz="2400" dirty="0"/>
-              <a:t>Studied effect of various factors like page fault bandwidth, compute-to-faulting ratio, page fault latency, etc.</a:t>
+              <a:t>Results: Synthetic app</a:t>
             </a:r>
           </a:p>
         </p:txBody>
       </p:sp>
       <p:pic>
         <p:nvPicPr>
-          <p:cNvPr id="4" name="Picture 3">
-            <a:extLst>
-              <a:ext uri="{FF2B5EF4-FFF2-40B4-BE49-F238E27FC236}">
-                <a16:creationId xmlns:a16="http://schemas.microsoft.com/office/drawing/2014/main" id="{B5289D7E-EA46-C549-B9EC-90A713D27F5D}"/>
+          <p:cNvPr id="5" name="Picture 4">
+            <a:extLst>
+              <a:ext uri="{FF2B5EF4-FFF2-40B4-BE49-F238E27FC236}">
+                <a16:creationId xmlns:a16="http://schemas.microsoft.com/office/drawing/2014/main" id="{EA423D56-1AB9-7B43-B669-352C1F97AD76}"/>
               </a:ext>
             </a:extLst>
           </p:cNvPr>
@@ -10032,58 +10251,18 @@
         </p:blipFill>
         <p:spPr>
           <a:xfrm>
-            <a:off x="714021" y="3643657"/>
-            <a:ext cx="10331041" cy="2644254"/>
+            <a:off x="1263431" y="2296948"/>
+            <a:ext cx="9993148" cy="3359581"/>
           </a:xfrm>
           <a:prstGeom prst="rect">
             <a:avLst/>
           </a:prstGeom>
-          <a:ln>
-            <a:solidFill>
-              <a:schemeClr val="tx1"/>
-            </a:solidFill>
-          </a:ln>
-        </p:spPr>
-      </p:pic>
-      <p:pic>
-        <p:nvPicPr>
-          <p:cNvPr id="5" name="Picture 4">
-            <a:extLst>
-              <a:ext uri="{FF2B5EF4-FFF2-40B4-BE49-F238E27FC236}">
-                <a16:creationId xmlns:a16="http://schemas.microsoft.com/office/drawing/2014/main" id="{468F4A5C-68F2-7142-A937-7DE759F5597B}"/>
-              </a:ext>
-            </a:extLst>
-          </p:cNvPr>
-          <p:cNvPicPr>
-            <a:picLocks noChangeAspect="1"/>
-          </p:cNvPicPr>
-          <p:nvPr/>
-        </p:nvPicPr>
-        <p:blipFill>
-          <a:blip r:embed="rId3"/>
-          <a:stretch>
-            <a:fillRect/>
-          </a:stretch>
-        </p:blipFill>
-        <p:spPr>
-          <a:xfrm>
-            <a:off x="6800849" y="745690"/>
-            <a:ext cx="4301124" cy="3036087"/>
-          </a:xfrm>
-          <a:prstGeom prst="rect">
-            <a:avLst/>
-          </a:prstGeom>
-          <a:ln>
-            <a:solidFill>
-              <a:schemeClr val="tx1"/>
-            </a:solidFill>
-          </a:ln>
         </p:spPr>
       </p:pic>
     </p:spTree>
     <p:extLst>
       <p:ext uri="{BB962C8B-B14F-4D97-AF65-F5344CB8AC3E}">
-        <p14:creationId xmlns:p14="http://schemas.microsoft.com/office/powerpoint/2010/main" val="964081889"/>
+        <p14:creationId xmlns:p14="http://schemas.microsoft.com/office/powerpoint/2010/main" val="577469233"/>
       </p:ext>
     </p:extLst>
   </p:cSld>
@@ -10115,7 +10294,7 @@
           <p:cNvPr id="2" name="Title 1">
             <a:extLst>
               <a:ext uri="{FF2B5EF4-FFF2-40B4-BE49-F238E27FC236}">
-                <a16:creationId xmlns:a16="http://schemas.microsoft.com/office/drawing/2014/main" id="{1EEFFDB7-9C13-9947-8439-79957516A21C}"/>
+                <a16:creationId xmlns:a16="http://schemas.microsoft.com/office/drawing/2014/main" id="{C7BAC3F4-0464-4B4B-838B-027567C2DDC8}"/>
               </a:ext>
             </a:extLst>
           </p:cNvPr>
@@ -10133,54 +10312,45 @@
           <a:p>
             <a:r>
               <a:rPr lang="en-US" dirty="0"/>
-              <a:t>Next</a:t>
-            </a:r>
-          </a:p>
-        </p:txBody>
-      </p:sp>
-      <p:sp>
-        <p:nvSpPr>
-          <p:cNvPr id="3" name="Content Placeholder 2">
-            <a:extLst>
-              <a:ext uri="{FF2B5EF4-FFF2-40B4-BE49-F238E27FC236}">
-                <a16:creationId xmlns:a16="http://schemas.microsoft.com/office/drawing/2014/main" id="{693D64AA-EF25-604F-87ED-2A967712B14A}"/>
-              </a:ext>
-            </a:extLst>
-          </p:cNvPr>
-          <p:cNvSpPr>
-            <a:spLocks noGrp="1"/>
-          </p:cNvSpPr>
-          <p:nvPr>
-            <p:ph idx="1"/>
-          </p:nvPr>
-        </p:nvSpPr>
-        <p:spPr/>
-        <p:txBody>
-          <a:bodyPr/>
-          <a:lstStyle/>
-          <a:p>
-            <a:r>
-              <a:rPr lang="en-US" dirty="0"/>
-              <a:t>Other apps: sort, </a:t>
-            </a:r>
-            <a:r>
-              <a:rPr lang="en-US" dirty="0" err="1"/>
-              <a:t>matmul</a:t>
-            </a:r>
-            <a:endParaRPr lang="en-US" dirty="0"/>
-          </a:p>
-          <a:p>
-            <a:r>
-              <a:rPr lang="en-US" dirty="0"/>
-              <a:t>Comparison with other systems: Fastswap, UMap</a:t>
-            </a:r>
-          </a:p>
-        </p:txBody>
-      </p:sp>
+              <a:t>Results: Synthetic app</a:t>
+            </a:r>
+          </a:p>
+        </p:txBody>
+      </p:sp>
+      <p:pic>
+        <p:nvPicPr>
+          <p:cNvPr id="4" name="Picture 3">
+            <a:extLst>
+              <a:ext uri="{FF2B5EF4-FFF2-40B4-BE49-F238E27FC236}">
+                <a16:creationId xmlns:a16="http://schemas.microsoft.com/office/drawing/2014/main" id="{533CFFC9-64F8-7543-B817-71B139311987}"/>
+              </a:ext>
+            </a:extLst>
+          </p:cNvPr>
+          <p:cNvPicPr>
+            <a:picLocks noChangeAspect="1"/>
+          </p:cNvPicPr>
+          <p:nvPr/>
+        </p:nvPicPr>
+        <p:blipFill>
+          <a:blip r:embed="rId3"/>
+          <a:stretch>
+            <a:fillRect/>
+          </a:stretch>
+        </p:blipFill>
+        <p:spPr>
+          <a:xfrm>
+            <a:off x="1263431" y="2296948"/>
+            <a:ext cx="9903810" cy="3329546"/>
+          </a:xfrm>
+          <a:prstGeom prst="rect">
+            <a:avLst/>
+          </a:prstGeom>
+        </p:spPr>
+      </p:pic>
     </p:spTree>
     <p:extLst>
       <p:ext uri="{BB962C8B-B14F-4D97-AF65-F5344CB8AC3E}">
-        <p14:creationId xmlns:p14="http://schemas.microsoft.com/office/powerpoint/2010/main" val="1882891297"/>
+        <p14:creationId xmlns:p14="http://schemas.microsoft.com/office/powerpoint/2010/main" val="1785132177"/>
       </p:ext>
     </p:extLst>
   </p:cSld>
@@ -10212,7 +10382,7 @@
           <p:cNvPr id="2" name="Title 1">
             <a:extLst>
               <a:ext uri="{FF2B5EF4-FFF2-40B4-BE49-F238E27FC236}">
-                <a16:creationId xmlns:a16="http://schemas.microsoft.com/office/drawing/2014/main" id="{1003D486-A1BB-C247-8A61-EF141E537844}"/>
+                <a16:creationId xmlns:a16="http://schemas.microsoft.com/office/drawing/2014/main" id="{C7BAC3F4-0464-4B4B-838B-027567C2DDC8}"/>
               </a:ext>
             </a:extLst>
           </p:cNvPr>
@@ -10230,49 +10400,72 @@
           <a:p>
             <a:r>
               <a:rPr lang="en-US" dirty="0"/>
-              <a:t>For Nadav</a:t>
-            </a:r>
-          </a:p>
-        </p:txBody>
-      </p:sp>
-      <p:sp>
-        <p:nvSpPr>
-          <p:cNvPr id="3" name="Content Placeholder 2">
-            <a:extLst>
-              <a:ext uri="{FF2B5EF4-FFF2-40B4-BE49-F238E27FC236}">
-                <a16:creationId xmlns:a16="http://schemas.microsoft.com/office/drawing/2014/main" id="{69D5E78E-77EA-A34E-91BC-95601C561C3B}"/>
-              </a:ext>
-            </a:extLst>
-          </p:cNvPr>
-          <p:cNvSpPr>
-            <a:spLocks noGrp="1"/>
-          </p:cNvSpPr>
-          <p:nvPr>
-            <p:ph idx="1"/>
-          </p:nvPr>
-        </p:nvSpPr>
-        <p:spPr/>
-        <p:txBody>
-          <a:bodyPr/>
+              <a:t>Results: Synthetic app</a:t>
+            </a:r>
+          </a:p>
+        </p:txBody>
+      </p:sp>
+      <p:pic>
+        <p:nvPicPr>
+          <p:cNvPr id="4" name="Picture 3">
+            <a:extLst>
+              <a:ext uri="{FF2B5EF4-FFF2-40B4-BE49-F238E27FC236}">
+                <a16:creationId xmlns:a16="http://schemas.microsoft.com/office/drawing/2014/main" id="{DAA9D08A-D0E5-8F49-B38B-21C2EDB51717}"/>
+              </a:ext>
+            </a:extLst>
+          </p:cNvPr>
+          <p:cNvPicPr>
+            <a:picLocks noChangeAspect="1"/>
+          </p:cNvPicPr>
+          <p:nvPr/>
+        </p:nvPicPr>
+        <p:blipFill>
+          <a:blip r:embed="rId3"/>
+          <a:stretch>
+            <a:fillRect/>
+          </a:stretch>
+        </p:blipFill>
+        <p:spPr>
+          <a:xfrm>
+            <a:off x="1263431" y="2296948"/>
+            <a:ext cx="9903810" cy="3329546"/>
+          </a:xfrm>
+          <a:prstGeom prst="rect">
+            <a:avLst/>
+          </a:prstGeom>
+        </p:spPr>
+      </p:pic>
+      <p:sp>
+        <p:nvSpPr>
+          <p:cNvPr id="5" name="TextBox 4">
+            <a:extLst>
+              <a:ext uri="{FF2B5EF4-FFF2-40B4-BE49-F238E27FC236}">
+                <a16:creationId xmlns:a16="http://schemas.microsoft.com/office/drawing/2014/main" id="{EC254231-C191-1448-9E63-80D1B2125640}"/>
+              </a:ext>
+            </a:extLst>
+          </p:cNvPr>
+          <p:cNvSpPr txBox="1"/>
+          <p:nvPr/>
+        </p:nvSpPr>
+        <p:spPr>
+          <a:xfrm>
+            <a:off x="3404403" y="5863422"/>
+            <a:ext cx="2810933" cy="369332"/>
+          </a:xfrm>
+          <a:prstGeom prst="rect">
+            <a:avLst/>
+          </a:prstGeom>
+          <a:noFill/>
+        </p:spPr>
+        <p:txBody>
+          <a:bodyPr wrap="square">
+            <a:spAutoFit/>
+          </a:bodyPr>
           <a:lstStyle/>
           <a:p>
             <a:r>
               <a:rPr lang="en-US" dirty="0"/>
-              <a:t>Comparison with Kailua</a:t>
-            </a:r>
-          </a:p>
-          <a:p>
-            <a:r>
-              <a:rPr lang="en-US" dirty="0"/>
-              <a:t>Including the </a:t>
-            </a:r>
-            <a:r>
-              <a:rPr lang="en-US" dirty="0" err="1"/>
-              <a:t>vDSO</a:t>
-            </a:r>
-            <a:r>
-              <a:rPr lang="en-US" dirty="0"/>
-              <a:t> trick towards my narrative</a:t>
+              <a:t>(more compute intensive)</a:t>
             </a:r>
           </a:p>
         </p:txBody>
@@ -10280,7 +10473,7 @@
     </p:spTree>
     <p:extLst>
       <p:ext uri="{BB962C8B-B14F-4D97-AF65-F5344CB8AC3E}">
-        <p14:creationId xmlns:p14="http://schemas.microsoft.com/office/powerpoint/2010/main" val="3038828222"/>
+        <p14:creationId xmlns:p14="http://schemas.microsoft.com/office/powerpoint/2010/main" val="611610755"/>
       </p:ext>
     </p:extLst>
   </p:cSld>
@@ -10312,7 +10505,7 @@
           <p:cNvPr id="2" name="Title 1">
             <a:extLst>
               <a:ext uri="{FF2B5EF4-FFF2-40B4-BE49-F238E27FC236}">
-                <a16:creationId xmlns:a16="http://schemas.microsoft.com/office/drawing/2014/main" id="{D910930E-C7ED-3242-8B6B-AB5FD835ED29}"/>
+                <a16:creationId xmlns:a16="http://schemas.microsoft.com/office/drawing/2014/main" id="{9156294D-CDC0-1D46-A426-5C843734E12A}"/>
               </a:ext>
             </a:extLst>
           </p:cNvPr>
@@ -10330,6 +10523,703 @@
           <a:p>
             <a:r>
               <a:rPr lang="en-US" dirty="0"/>
+              <a:t>Results: Memcached</a:t>
+            </a:r>
+          </a:p>
+        </p:txBody>
+      </p:sp>
+      <p:sp>
+        <p:nvSpPr>
+          <p:cNvPr id="3" name="Content Placeholder 2">
+            <a:extLst>
+              <a:ext uri="{FF2B5EF4-FFF2-40B4-BE49-F238E27FC236}">
+                <a16:creationId xmlns:a16="http://schemas.microsoft.com/office/drawing/2014/main" id="{CF645EBB-38EE-6246-AC89-B101918B2D63}"/>
+              </a:ext>
+            </a:extLst>
+          </p:cNvPr>
+          <p:cNvSpPr>
+            <a:spLocks noGrp="1"/>
+          </p:cNvSpPr>
+          <p:nvPr>
+            <p:ph idx="1"/>
+          </p:nvPr>
+        </p:nvSpPr>
+        <p:spPr>
+          <a:xfrm>
+            <a:off x="838200" y="1825625"/>
+            <a:ext cx="5404556" cy="4351338"/>
+          </a:xfrm>
+          <a:ln>
+            <a:solidFill>
+              <a:schemeClr val="accent1"/>
+            </a:solidFill>
+          </a:ln>
+        </p:spPr>
+        <p:txBody>
+          <a:bodyPr/>
+          <a:lstStyle/>
+          <a:p>
+            <a:r>
+              <a:rPr lang="en-US" dirty="0"/>
+              <a:t>10M pairs</a:t>
+            </a:r>
+          </a:p>
+          <a:p>
+            <a:r>
+              <a:rPr lang="en-US" dirty="0"/>
+              <a:t>100B key-value size</a:t>
+            </a:r>
+          </a:p>
+          <a:p>
+            <a:r>
+              <a:rPr lang="en-US" dirty="0"/>
+              <a:t>2GB total memory</a:t>
+            </a:r>
+          </a:p>
+          <a:p>
+            <a:r>
+              <a:rPr lang="en-US" dirty="0"/>
+              <a:t>Uniform distribution</a:t>
+            </a:r>
+          </a:p>
+          <a:p>
+            <a:endParaRPr lang="en-US" dirty="0"/>
+          </a:p>
+          <a:p>
+            <a:pPr marL="0" indent="0">
+              <a:buNone/>
+            </a:pPr>
+            <a:r>
+              <a:rPr lang="en-US" dirty="0"/>
+              <a:t>Yet to try more skewed workloads</a:t>
+            </a:r>
+          </a:p>
+        </p:txBody>
+      </p:sp>
+      <p:pic>
+        <p:nvPicPr>
+          <p:cNvPr id="4" name="Picture 3">
+            <a:extLst>
+              <a:ext uri="{FF2B5EF4-FFF2-40B4-BE49-F238E27FC236}">
+                <a16:creationId xmlns:a16="http://schemas.microsoft.com/office/drawing/2014/main" id="{368287F0-122A-5E42-A663-6DB4473C87B2}"/>
+              </a:ext>
+            </a:extLst>
+          </p:cNvPr>
+          <p:cNvPicPr>
+            <a:picLocks noChangeAspect="1"/>
+          </p:cNvPicPr>
+          <p:nvPr/>
+        </p:nvPicPr>
+        <p:blipFill>
+          <a:blip r:embed="rId2"/>
+          <a:stretch>
+            <a:fillRect/>
+          </a:stretch>
+        </p:blipFill>
+        <p:spPr>
+          <a:xfrm>
+            <a:off x="6668993" y="1971735"/>
+            <a:ext cx="5204477" cy="3537242"/>
+          </a:xfrm>
+          <a:prstGeom prst="rect">
+            <a:avLst/>
+          </a:prstGeom>
+          <a:ln>
+            <a:solidFill>
+              <a:schemeClr val="tx1"/>
+            </a:solidFill>
+          </a:ln>
+        </p:spPr>
+      </p:pic>
+    </p:spTree>
+    <p:extLst>
+      <p:ext uri="{BB962C8B-B14F-4D97-AF65-F5344CB8AC3E}">
+        <p14:creationId xmlns:p14="http://schemas.microsoft.com/office/powerpoint/2010/main" val="2609475140"/>
+      </p:ext>
+    </p:extLst>
+  </p:cSld>
+  <p:clrMapOvr>
+    <a:masterClrMapping/>
+  </p:clrMapOvr>
+</p:sld>
+</file>
+
+<file path=ppt/slides/slide28.xml><?xml version="1.0" encoding="utf-8"?>
+<p:sld xmlns:a="http://schemas.openxmlformats.org/drawingml/2006/main" xmlns:r="http://schemas.openxmlformats.org/officeDocument/2006/relationships" xmlns:p="http://schemas.openxmlformats.org/presentationml/2006/main">
+  <p:cSld>
+    <p:spTree>
+      <p:nvGrpSpPr>
+        <p:cNvPr id="1" name=""/>
+        <p:cNvGrpSpPr/>
+        <p:nvPr/>
+      </p:nvGrpSpPr>
+      <p:grpSpPr>
+        <a:xfrm>
+          <a:off x="0" y="0"/>
+          <a:ext cx="0" cy="0"/>
+          <a:chOff x="0" y="0"/>
+          <a:chExt cx="0" cy="0"/>
+        </a:xfrm>
+      </p:grpSpPr>
+      <p:sp>
+        <p:nvSpPr>
+          <p:cNvPr id="2" name="Title 1">
+            <a:extLst>
+              <a:ext uri="{FF2B5EF4-FFF2-40B4-BE49-F238E27FC236}">
+                <a16:creationId xmlns:a16="http://schemas.microsoft.com/office/drawing/2014/main" id="{A1827905-3645-6B47-AFC1-D79CFA198825}"/>
+              </a:ext>
+            </a:extLst>
+          </p:cNvPr>
+          <p:cNvSpPr>
+            <a:spLocks noGrp="1"/>
+          </p:cNvSpPr>
+          <p:nvPr>
+            <p:ph type="title"/>
+          </p:nvPr>
+        </p:nvSpPr>
+        <p:spPr/>
+        <p:txBody>
+          <a:bodyPr/>
+          <a:lstStyle/>
+          <a:p>
+            <a:r>
+              <a:rPr lang="en-US" dirty="0"/>
+              <a:t>Simulations</a:t>
+            </a:r>
+          </a:p>
+        </p:txBody>
+      </p:sp>
+      <p:sp>
+        <p:nvSpPr>
+          <p:cNvPr id="3" name="Content Placeholder 2">
+            <a:extLst>
+              <a:ext uri="{FF2B5EF4-FFF2-40B4-BE49-F238E27FC236}">
+                <a16:creationId xmlns:a16="http://schemas.microsoft.com/office/drawing/2014/main" id="{8C1638D3-B886-2745-AFB8-9C3E34D99AF4}"/>
+              </a:ext>
+            </a:extLst>
+          </p:cNvPr>
+          <p:cNvSpPr>
+            <a:spLocks noGrp="1"/>
+          </p:cNvSpPr>
+          <p:nvPr>
+            <p:ph idx="1"/>
+          </p:nvPr>
+        </p:nvSpPr>
+        <p:spPr>
+          <a:xfrm>
+            <a:off x="838200" y="1825625"/>
+            <a:ext cx="4873978" cy="1222375"/>
+          </a:xfrm>
+          <a:ln>
+            <a:solidFill>
+              <a:schemeClr val="accent1"/>
+            </a:solidFill>
+          </a:ln>
+        </p:spPr>
+        <p:txBody>
+          <a:bodyPr>
+            <a:normAutofit/>
+          </a:bodyPr>
+          <a:lstStyle/>
+          <a:p>
+            <a:pPr marL="0" indent="0">
+              <a:buNone/>
+            </a:pPr>
+            <a:r>
+              <a:rPr lang="en-US" sz="2400" dirty="0"/>
+              <a:t>Studied effect of various factors like page fault bandwidth, compute-to-faulting ratio, page fault latency, etc.</a:t>
+            </a:r>
+          </a:p>
+        </p:txBody>
+      </p:sp>
+      <p:pic>
+        <p:nvPicPr>
+          <p:cNvPr id="4" name="Picture 3">
+            <a:extLst>
+              <a:ext uri="{FF2B5EF4-FFF2-40B4-BE49-F238E27FC236}">
+                <a16:creationId xmlns:a16="http://schemas.microsoft.com/office/drawing/2014/main" id="{B5289D7E-EA46-C549-B9EC-90A713D27F5D}"/>
+              </a:ext>
+            </a:extLst>
+          </p:cNvPr>
+          <p:cNvPicPr>
+            <a:picLocks noChangeAspect="1"/>
+          </p:cNvPicPr>
+          <p:nvPr/>
+        </p:nvPicPr>
+        <p:blipFill>
+          <a:blip r:embed="rId2"/>
+          <a:stretch>
+            <a:fillRect/>
+          </a:stretch>
+        </p:blipFill>
+        <p:spPr>
+          <a:xfrm>
+            <a:off x="714021" y="3643657"/>
+            <a:ext cx="10331041" cy="2644254"/>
+          </a:xfrm>
+          <a:prstGeom prst="rect">
+            <a:avLst/>
+          </a:prstGeom>
+          <a:ln>
+            <a:solidFill>
+              <a:schemeClr val="tx1"/>
+            </a:solidFill>
+          </a:ln>
+        </p:spPr>
+      </p:pic>
+      <p:pic>
+        <p:nvPicPr>
+          <p:cNvPr id="5" name="Picture 4">
+            <a:extLst>
+              <a:ext uri="{FF2B5EF4-FFF2-40B4-BE49-F238E27FC236}">
+                <a16:creationId xmlns:a16="http://schemas.microsoft.com/office/drawing/2014/main" id="{468F4A5C-68F2-7142-A937-7DE759F5597B}"/>
+              </a:ext>
+            </a:extLst>
+          </p:cNvPr>
+          <p:cNvPicPr>
+            <a:picLocks noChangeAspect="1"/>
+          </p:cNvPicPr>
+          <p:nvPr/>
+        </p:nvPicPr>
+        <p:blipFill>
+          <a:blip r:embed="rId3"/>
+          <a:stretch>
+            <a:fillRect/>
+          </a:stretch>
+        </p:blipFill>
+        <p:spPr>
+          <a:xfrm>
+            <a:off x="6800849" y="745690"/>
+            <a:ext cx="4301124" cy="3036087"/>
+          </a:xfrm>
+          <a:prstGeom prst="rect">
+            <a:avLst/>
+          </a:prstGeom>
+          <a:ln>
+            <a:solidFill>
+              <a:schemeClr val="tx1"/>
+            </a:solidFill>
+          </a:ln>
+        </p:spPr>
+      </p:pic>
+    </p:spTree>
+    <p:extLst>
+      <p:ext uri="{BB962C8B-B14F-4D97-AF65-F5344CB8AC3E}">
+        <p14:creationId xmlns:p14="http://schemas.microsoft.com/office/powerpoint/2010/main" val="964081889"/>
+      </p:ext>
+    </p:extLst>
+  </p:cSld>
+  <p:clrMapOvr>
+    <a:masterClrMapping/>
+  </p:clrMapOvr>
+</p:sld>
+</file>
+
+<file path=ppt/slides/slide29.xml><?xml version="1.0" encoding="utf-8"?>
+<p:sld xmlns:a="http://schemas.openxmlformats.org/drawingml/2006/main" xmlns:r="http://schemas.openxmlformats.org/officeDocument/2006/relationships" xmlns:p="http://schemas.openxmlformats.org/presentationml/2006/main">
+  <p:cSld>
+    <p:spTree>
+      <p:nvGrpSpPr>
+        <p:cNvPr id="1" name=""/>
+        <p:cNvGrpSpPr/>
+        <p:nvPr/>
+      </p:nvGrpSpPr>
+      <p:grpSpPr>
+        <a:xfrm>
+          <a:off x="0" y="0"/>
+          <a:ext cx="0" cy="0"/>
+          <a:chOff x="0" y="0"/>
+          <a:chExt cx="0" cy="0"/>
+        </a:xfrm>
+      </p:grpSpPr>
+      <p:sp>
+        <p:nvSpPr>
+          <p:cNvPr id="2" name="Title 1">
+            <a:extLst>
+              <a:ext uri="{FF2B5EF4-FFF2-40B4-BE49-F238E27FC236}">
+                <a16:creationId xmlns:a16="http://schemas.microsoft.com/office/drawing/2014/main" id="{1EEFFDB7-9C13-9947-8439-79957516A21C}"/>
+              </a:ext>
+            </a:extLst>
+          </p:cNvPr>
+          <p:cNvSpPr>
+            <a:spLocks noGrp="1"/>
+          </p:cNvSpPr>
+          <p:nvPr>
+            <p:ph type="title"/>
+          </p:nvPr>
+        </p:nvSpPr>
+        <p:spPr/>
+        <p:txBody>
+          <a:bodyPr/>
+          <a:lstStyle/>
+          <a:p>
+            <a:r>
+              <a:rPr lang="en-US" dirty="0"/>
+              <a:t>In Progress</a:t>
+            </a:r>
+          </a:p>
+        </p:txBody>
+      </p:sp>
+      <p:sp>
+        <p:nvSpPr>
+          <p:cNvPr id="3" name="Content Placeholder 2">
+            <a:extLst>
+              <a:ext uri="{FF2B5EF4-FFF2-40B4-BE49-F238E27FC236}">
+                <a16:creationId xmlns:a16="http://schemas.microsoft.com/office/drawing/2014/main" id="{693D64AA-EF25-604F-87ED-2A967712B14A}"/>
+              </a:ext>
+            </a:extLst>
+          </p:cNvPr>
+          <p:cNvSpPr>
+            <a:spLocks noGrp="1"/>
+          </p:cNvSpPr>
+          <p:nvPr>
+            <p:ph idx="1"/>
+          </p:nvPr>
+        </p:nvSpPr>
+        <p:spPr/>
+        <p:txBody>
+          <a:bodyPr/>
+          <a:lstStyle/>
+          <a:p>
+            <a:r>
+              <a:rPr lang="en-US" dirty="0"/>
+              <a:t>Other apps: </a:t>
+            </a:r>
+            <a:r>
+              <a:rPr lang="en-US" b="1" dirty="0"/>
+              <a:t>sort</a:t>
+            </a:r>
+            <a:r>
+              <a:rPr lang="en-US" dirty="0"/>
+              <a:t>, </a:t>
+            </a:r>
+            <a:r>
+              <a:rPr lang="en-US" dirty="0" err="1"/>
+              <a:t>matmul</a:t>
+            </a:r>
+            <a:endParaRPr lang="en-US" dirty="0"/>
+          </a:p>
+          <a:p>
+            <a:r>
+              <a:rPr lang="en-US" dirty="0"/>
+              <a:t>Comparison with other systems: </a:t>
+            </a:r>
+            <a:r>
+              <a:rPr lang="en-US" b="1" dirty="0"/>
+              <a:t>Fastswap</a:t>
+            </a:r>
+            <a:r>
+              <a:rPr lang="en-US" dirty="0"/>
+              <a:t>, </a:t>
+            </a:r>
+            <a:r>
+              <a:rPr lang="en-US" dirty="0" err="1"/>
+              <a:t>Umap</a:t>
+            </a:r>
+            <a:endParaRPr lang="en-US" dirty="0"/>
+          </a:p>
+          <a:p>
+            <a:endParaRPr lang="en-US" dirty="0"/>
+          </a:p>
+        </p:txBody>
+      </p:sp>
+    </p:spTree>
+    <p:extLst>
+      <p:ext uri="{BB962C8B-B14F-4D97-AF65-F5344CB8AC3E}">
+        <p14:creationId xmlns:p14="http://schemas.microsoft.com/office/powerpoint/2010/main" val="1882891297"/>
+      </p:ext>
+    </p:extLst>
+  </p:cSld>
+  <p:clrMapOvr>
+    <a:masterClrMapping/>
+  </p:clrMapOvr>
+</p:sld>
+</file>
+
+<file path=ppt/slides/slide3.xml><?xml version="1.0" encoding="utf-8"?>
+<p:sld xmlns:a="http://schemas.openxmlformats.org/drawingml/2006/main" xmlns:r="http://schemas.openxmlformats.org/officeDocument/2006/relationships" xmlns:p="http://schemas.openxmlformats.org/presentationml/2006/main">
+  <p:cSld>
+    <p:spTree>
+      <p:nvGrpSpPr>
+        <p:cNvPr id="1" name=""/>
+        <p:cNvGrpSpPr/>
+        <p:nvPr/>
+      </p:nvGrpSpPr>
+      <p:grpSpPr>
+        <a:xfrm>
+          <a:off x="0" y="0"/>
+          <a:ext cx="0" cy="0"/>
+          <a:chOff x="0" y="0"/>
+          <a:chExt cx="0" cy="0"/>
+        </a:xfrm>
+      </p:grpSpPr>
+      <p:sp>
+        <p:nvSpPr>
+          <p:cNvPr id="2" name="Title 1">
+            <a:extLst>
+              <a:ext uri="{FF2B5EF4-FFF2-40B4-BE49-F238E27FC236}">
+                <a16:creationId xmlns:a16="http://schemas.microsoft.com/office/drawing/2014/main" id="{93265FFC-235F-0F4A-8C34-A8861369F761}"/>
+              </a:ext>
+            </a:extLst>
+          </p:cNvPr>
+          <p:cNvSpPr>
+            <a:spLocks noGrp="1"/>
+          </p:cNvSpPr>
+          <p:nvPr>
+            <p:ph type="title"/>
+          </p:nvPr>
+        </p:nvSpPr>
+        <p:spPr/>
+        <p:txBody>
+          <a:bodyPr/>
+          <a:lstStyle/>
+          <a:p>
+            <a:r>
+              <a:rPr lang="en-US" dirty="0"/>
+              <a:t>Motivation</a:t>
+            </a:r>
+          </a:p>
+        </p:txBody>
+      </p:sp>
+      <p:sp>
+        <p:nvSpPr>
+          <p:cNvPr id="3" name="Content Placeholder 2">
+            <a:extLst>
+              <a:ext uri="{FF2B5EF4-FFF2-40B4-BE49-F238E27FC236}">
+                <a16:creationId xmlns:a16="http://schemas.microsoft.com/office/drawing/2014/main" id="{23662A30-DDED-944D-B146-FB06D6A827A7}"/>
+              </a:ext>
+            </a:extLst>
+          </p:cNvPr>
+          <p:cNvSpPr>
+            <a:spLocks noGrp="1"/>
+          </p:cNvSpPr>
+          <p:nvPr>
+            <p:ph idx="1"/>
+          </p:nvPr>
+        </p:nvSpPr>
+        <p:spPr/>
+        <p:txBody>
+          <a:bodyPr/>
+          <a:lstStyle/>
+          <a:p>
+            <a:r>
+              <a:rPr lang="en-US" dirty="0"/>
+              <a:t>Hiding the remote memory latencies </a:t>
+            </a:r>
+          </a:p>
+          <a:p>
+            <a:pPr marL="457200" lvl="1" indent="0">
+              <a:buNone/>
+            </a:pPr>
+            <a:r>
+              <a:rPr lang="en-US" dirty="0"/>
+              <a:t>e.g., RDMA takes up to 6 µs in my case</a:t>
+            </a:r>
+          </a:p>
+          <a:p>
+            <a:pPr lvl="1"/>
+            <a:r>
+              <a:rPr lang="en-US" dirty="0"/>
+              <a:t>Obvious solution is better caching/eviction policy</a:t>
+            </a:r>
+          </a:p>
+          <a:p>
+            <a:pPr lvl="1"/>
+            <a:r>
+              <a:rPr lang="en-US" dirty="0"/>
+              <a:t>We chose to (and make it easier to) exploit </a:t>
+            </a:r>
+            <a:r>
+              <a:rPr lang="en-US" i="1" dirty="0"/>
+              <a:t>concurrency</a:t>
+            </a:r>
+          </a:p>
+          <a:p>
+            <a:pPr marL="457200" lvl="1" indent="0">
+              <a:buNone/>
+            </a:pPr>
+            <a:endParaRPr lang="en-US" dirty="0"/>
+          </a:p>
+          <a:p>
+            <a:r>
+              <a:rPr lang="en-US" dirty="0"/>
+              <a:t>But with minimal application changes</a:t>
+            </a:r>
+          </a:p>
+          <a:p>
+            <a:pPr lvl="1"/>
+            <a:r>
+              <a:rPr lang="en-US" dirty="0"/>
+              <a:t>Keep virtual memory (but no CXL yet) – hence the focus on paging</a:t>
+            </a:r>
+          </a:p>
+          <a:p>
+            <a:pPr lvl="1"/>
+            <a:r>
+              <a:rPr lang="en-US" dirty="0"/>
+              <a:t>But full transparency may not be an option – hence </a:t>
+            </a:r>
+            <a:r>
+              <a:rPr lang="en-US" dirty="0" err="1"/>
+              <a:t>Userfaultfd</a:t>
+            </a:r>
+            <a:endParaRPr lang="en-US" dirty="0"/>
+          </a:p>
+        </p:txBody>
+      </p:sp>
+    </p:spTree>
+    <p:extLst>
+      <p:ext uri="{BB962C8B-B14F-4D97-AF65-F5344CB8AC3E}">
+        <p14:creationId xmlns:p14="http://schemas.microsoft.com/office/powerpoint/2010/main" val="3124521556"/>
+      </p:ext>
+    </p:extLst>
+  </p:cSld>
+  <p:clrMapOvr>
+    <a:masterClrMapping/>
+  </p:clrMapOvr>
+</p:sld>
+</file>
+
+<file path=ppt/slides/slide30.xml><?xml version="1.0" encoding="utf-8"?>
+<p:sld xmlns:a="http://schemas.openxmlformats.org/drawingml/2006/main" xmlns:r="http://schemas.openxmlformats.org/officeDocument/2006/relationships" xmlns:p="http://schemas.openxmlformats.org/presentationml/2006/main">
+  <p:cSld>
+    <p:spTree>
+      <p:nvGrpSpPr>
+        <p:cNvPr id="1" name=""/>
+        <p:cNvGrpSpPr/>
+        <p:nvPr/>
+      </p:nvGrpSpPr>
+      <p:grpSpPr>
+        <a:xfrm>
+          <a:off x="0" y="0"/>
+          <a:ext cx="0" cy="0"/>
+          <a:chOff x="0" y="0"/>
+          <a:chExt cx="0" cy="0"/>
+        </a:xfrm>
+      </p:grpSpPr>
+      <p:sp>
+        <p:nvSpPr>
+          <p:cNvPr id="2" name="Title 1">
+            <a:extLst>
+              <a:ext uri="{FF2B5EF4-FFF2-40B4-BE49-F238E27FC236}">
+                <a16:creationId xmlns:a16="http://schemas.microsoft.com/office/drawing/2014/main" id="{1003D486-A1BB-C247-8A61-EF141E537844}"/>
+              </a:ext>
+            </a:extLst>
+          </p:cNvPr>
+          <p:cNvSpPr>
+            <a:spLocks noGrp="1"/>
+          </p:cNvSpPr>
+          <p:nvPr>
+            <p:ph type="title"/>
+          </p:nvPr>
+        </p:nvSpPr>
+        <p:spPr/>
+        <p:txBody>
+          <a:bodyPr/>
+          <a:lstStyle/>
+          <a:p>
+            <a:r>
+              <a:rPr lang="en-US" dirty="0"/>
+              <a:t>For Nadav</a:t>
+            </a:r>
+          </a:p>
+        </p:txBody>
+      </p:sp>
+      <p:sp>
+        <p:nvSpPr>
+          <p:cNvPr id="3" name="Content Placeholder 2">
+            <a:extLst>
+              <a:ext uri="{FF2B5EF4-FFF2-40B4-BE49-F238E27FC236}">
+                <a16:creationId xmlns:a16="http://schemas.microsoft.com/office/drawing/2014/main" id="{69D5E78E-77EA-A34E-91BC-95601C561C3B}"/>
+              </a:ext>
+            </a:extLst>
+          </p:cNvPr>
+          <p:cNvSpPr>
+            <a:spLocks noGrp="1"/>
+          </p:cNvSpPr>
+          <p:nvPr>
+            <p:ph idx="1"/>
+          </p:nvPr>
+        </p:nvSpPr>
+        <p:spPr/>
+        <p:txBody>
+          <a:bodyPr/>
+          <a:lstStyle/>
+          <a:p>
+            <a:r>
+              <a:rPr lang="en-US" dirty="0"/>
+              <a:t>Comparison with Kailua</a:t>
+            </a:r>
+          </a:p>
+          <a:p>
+            <a:r>
+              <a:rPr lang="en-US" dirty="0"/>
+              <a:t>Including the </a:t>
+            </a:r>
+            <a:r>
+              <a:rPr lang="en-US" dirty="0" err="1"/>
+              <a:t>vDSO</a:t>
+            </a:r>
+            <a:r>
+              <a:rPr lang="en-US" dirty="0"/>
+              <a:t> trick towards my narrative</a:t>
+            </a:r>
+          </a:p>
+        </p:txBody>
+      </p:sp>
+    </p:spTree>
+    <p:extLst>
+      <p:ext uri="{BB962C8B-B14F-4D97-AF65-F5344CB8AC3E}">
+        <p14:creationId xmlns:p14="http://schemas.microsoft.com/office/powerpoint/2010/main" val="3038828222"/>
+      </p:ext>
+    </p:extLst>
+  </p:cSld>
+  <p:clrMapOvr>
+    <a:masterClrMapping/>
+  </p:clrMapOvr>
+</p:sld>
+</file>
+
+<file path=ppt/slides/slide31.xml><?xml version="1.0" encoding="utf-8"?>
+<p:sld xmlns:a="http://schemas.openxmlformats.org/drawingml/2006/main" xmlns:r="http://schemas.openxmlformats.org/officeDocument/2006/relationships" xmlns:p="http://schemas.openxmlformats.org/presentationml/2006/main">
+  <p:cSld>
+    <p:spTree>
+      <p:nvGrpSpPr>
+        <p:cNvPr id="1" name=""/>
+        <p:cNvGrpSpPr/>
+        <p:nvPr/>
+      </p:nvGrpSpPr>
+      <p:grpSpPr>
+        <a:xfrm>
+          <a:off x="0" y="0"/>
+          <a:ext cx="0" cy="0"/>
+          <a:chOff x="0" y="0"/>
+          <a:chExt cx="0" cy="0"/>
+        </a:xfrm>
+      </p:grpSpPr>
+      <p:sp>
+        <p:nvSpPr>
+          <p:cNvPr id="2" name="Title 1">
+            <a:extLst>
+              <a:ext uri="{FF2B5EF4-FFF2-40B4-BE49-F238E27FC236}">
+                <a16:creationId xmlns:a16="http://schemas.microsoft.com/office/drawing/2014/main" id="{D910930E-C7ED-3242-8B6B-AB5FD835ED29}"/>
+              </a:ext>
+            </a:extLst>
+          </p:cNvPr>
+          <p:cNvSpPr>
+            <a:spLocks noGrp="1"/>
+          </p:cNvSpPr>
+          <p:nvPr>
+            <p:ph type="title"/>
+          </p:nvPr>
+        </p:nvSpPr>
+        <p:spPr/>
+        <p:txBody>
+          <a:bodyPr/>
+          <a:lstStyle/>
+          <a:p>
+            <a:r>
+              <a:rPr lang="en-US" dirty="0"/>
               <a:t>Comparison with Kailua</a:t>
             </a:r>
           </a:p>
@@ -10350,14 +11240,14 @@
           <p:nvPr>
             <p:extLst>
               <p:ext uri="{D42A27DB-BD31-4B8C-83A1-F6EECF244321}">
-                <p14:modId xmlns:p14="http://schemas.microsoft.com/office/powerpoint/2010/main" val="1589745876"/>
+                <p14:modId xmlns:p14="http://schemas.microsoft.com/office/powerpoint/2010/main" val="1214287906"/>
               </p:ext>
             </p:extLst>
           </p:nvPr>
         </p:nvGraphicFramePr>
         <p:xfrm>
           <a:off x="908982" y="1547162"/>
-          <a:ext cx="10098384" cy="4848511"/>
+          <a:ext cx="10098384" cy="5151120"/>
         </p:xfrm>
         <a:graphic>
           <a:graphicData uri="http://schemas.openxmlformats.org/drawingml/2006/table">
@@ -10463,7 +11353,7 @@
                       <a:pPr algn="ctr"/>
                       <a:r>
                         <a:rPr lang="en-US" dirty="0"/>
-                        <a:t>Our answer</a:t>
+                        <a:t>Our system</a:t>
                       </a:r>
                     </a:p>
                   </a:txBody>
@@ -12031,7 +12921,7 @@
                           <a:ea typeface="+mn-ea"/>
                           <a:cs typeface="+mn-cs"/>
                         </a:rPr>
-                        <a:t>(Improved)</a:t>
+                        <a:t>(Only read-ahead but integrated into annotations)</a:t>
                       </a:r>
                     </a:p>
                   </a:txBody>
@@ -12122,7 +13012,7 @@
 </p:sld>
 </file>
 
-<file path=ppt/slides/slide28.xml><?xml version="1.0" encoding="utf-8"?>
+<file path=ppt/slides/slide32.xml><?xml version="1.0" encoding="utf-8"?>
 <p:sld xmlns:a="http://schemas.openxmlformats.org/drawingml/2006/main" xmlns:r="http://schemas.openxmlformats.org/officeDocument/2006/relationships" xmlns:p="http://schemas.openxmlformats.org/presentationml/2006/main">
   <p:cSld>
     <p:spTree>
@@ -12197,237 +13087,6 @@
     <p:extLst>
       <p:ext uri="{BB962C8B-B14F-4D97-AF65-F5344CB8AC3E}">
         <p14:creationId xmlns:p14="http://schemas.microsoft.com/office/powerpoint/2010/main" val="626985734"/>
-      </p:ext>
-    </p:extLst>
-  </p:cSld>
-  <p:clrMapOvr>
-    <a:masterClrMapping/>
-  </p:clrMapOvr>
-</p:sld>
-</file>
-
-<file path=ppt/slides/slide29.xml><?xml version="1.0" encoding="utf-8"?>
-<p:sld xmlns:a="http://schemas.openxmlformats.org/drawingml/2006/main" xmlns:r="http://schemas.openxmlformats.org/officeDocument/2006/relationships" xmlns:p="http://schemas.openxmlformats.org/presentationml/2006/main">
-  <p:cSld>
-    <p:spTree>
-      <p:nvGrpSpPr>
-        <p:cNvPr id="1" name=""/>
-        <p:cNvGrpSpPr/>
-        <p:nvPr/>
-      </p:nvGrpSpPr>
-      <p:grpSpPr>
-        <a:xfrm>
-          <a:off x="0" y="0"/>
-          <a:ext cx="0" cy="0"/>
-          <a:chOff x="0" y="0"/>
-          <a:chExt cx="0" cy="0"/>
-        </a:xfrm>
-      </p:grpSpPr>
-      <p:sp>
-        <p:nvSpPr>
-          <p:cNvPr id="2" name="Title 1">
-            <a:extLst>
-              <a:ext uri="{FF2B5EF4-FFF2-40B4-BE49-F238E27FC236}">
-                <a16:creationId xmlns:a16="http://schemas.microsoft.com/office/drawing/2014/main" id="{E37D58A7-1E62-3040-9876-71246749484D}"/>
-              </a:ext>
-            </a:extLst>
-          </p:cNvPr>
-          <p:cNvSpPr>
-            <a:spLocks noGrp="1"/>
-          </p:cNvSpPr>
-          <p:nvPr>
-            <p:ph type="title"/>
-          </p:nvPr>
-        </p:nvSpPr>
-        <p:spPr/>
-        <p:txBody>
-          <a:bodyPr/>
-          <a:lstStyle/>
-          <a:p>
-            <a:r>
-              <a:rPr lang="en-US" dirty="0"/>
-              <a:t>Breakdown of Kona latencies</a:t>
-            </a:r>
-          </a:p>
-        </p:txBody>
-      </p:sp>
-      <p:pic>
-        <p:nvPicPr>
-          <p:cNvPr id="6" name="Content Placeholder 5" descr="A picture containing chart&#10;&#10;Description automatically generated">
-            <a:extLst>
-              <a:ext uri="{FF2B5EF4-FFF2-40B4-BE49-F238E27FC236}">
-                <a16:creationId xmlns:a16="http://schemas.microsoft.com/office/drawing/2014/main" id="{43D4AF65-BC14-DB43-B9BE-7E2D42443173}"/>
-              </a:ext>
-            </a:extLst>
-          </p:cNvPr>
-          <p:cNvPicPr>
-            <a:picLocks noGrp="1" noChangeAspect="1"/>
-          </p:cNvPicPr>
-          <p:nvPr>
-            <p:ph idx="1"/>
-          </p:nvPr>
-        </p:nvPicPr>
-        <p:blipFill>
-          <a:blip r:embed="rId2"/>
-          <a:stretch>
-            <a:fillRect/>
-          </a:stretch>
-        </p:blipFill>
-        <p:spPr>
-          <a:xfrm>
-            <a:off x="1916967" y="1903684"/>
-            <a:ext cx="7717688" cy="3776120"/>
-          </a:xfrm>
-        </p:spPr>
-      </p:pic>
-    </p:spTree>
-    <p:extLst>
-      <p:ext uri="{BB962C8B-B14F-4D97-AF65-F5344CB8AC3E}">
-        <p14:creationId xmlns:p14="http://schemas.microsoft.com/office/powerpoint/2010/main" val="3834986831"/>
-      </p:ext>
-    </p:extLst>
-  </p:cSld>
-  <p:clrMapOvr>
-    <a:masterClrMapping/>
-  </p:clrMapOvr>
-</p:sld>
-</file>
-
-<file path=ppt/slides/slide3.xml><?xml version="1.0" encoding="utf-8"?>
-<p:sld xmlns:a="http://schemas.openxmlformats.org/drawingml/2006/main" xmlns:r="http://schemas.openxmlformats.org/officeDocument/2006/relationships" xmlns:p="http://schemas.openxmlformats.org/presentationml/2006/main">
-  <p:cSld>
-    <p:spTree>
-      <p:nvGrpSpPr>
-        <p:cNvPr id="1" name=""/>
-        <p:cNvGrpSpPr/>
-        <p:nvPr/>
-      </p:nvGrpSpPr>
-      <p:grpSpPr>
-        <a:xfrm>
-          <a:off x="0" y="0"/>
-          <a:ext cx="0" cy="0"/>
-          <a:chOff x="0" y="0"/>
-          <a:chExt cx="0" cy="0"/>
-        </a:xfrm>
-      </p:grpSpPr>
-      <p:sp>
-        <p:nvSpPr>
-          <p:cNvPr id="2" name="Title 1">
-            <a:extLst>
-              <a:ext uri="{FF2B5EF4-FFF2-40B4-BE49-F238E27FC236}">
-                <a16:creationId xmlns:a16="http://schemas.microsoft.com/office/drawing/2014/main" id="{93265FFC-235F-0F4A-8C34-A8861369F761}"/>
-              </a:ext>
-            </a:extLst>
-          </p:cNvPr>
-          <p:cNvSpPr>
-            <a:spLocks noGrp="1"/>
-          </p:cNvSpPr>
-          <p:nvPr>
-            <p:ph type="title"/>
-          </p:nvPr>
-        </p:nvSpPr>
-        <p:spPr/>
-        <p:txBody>
-          <a:bodyPr/>
-          <a:lstStyle/>
-          <a:p>
-            <a:r>
-              <a:rPr lang="en-US" dirty="0"/>
-              <a:t>Motivation</a:t>
-            </a:r>
-          </a:p>
-        </p:txBody>
-      </p:sp>
-      <p:sp>
-        <p:nvSpPr>
-          <p:cNvPr id="3" name="Content Placeholder 2">
-            <a:extLst>
-              <a:ext uri="{FF2B5EF4-FFF2-40B4-BE49-F238E27FC236}">
-                <a16:creationId xmlns:a16="http://schemas.microsoft.com/office/drawing/2014/main" id="{23662A30-DDED-944D-B146-FB06D6A827A7}"/>
-              </a:ext>
-            </a:extLst>
-          </p:cNvPr>
-          <p:cNvSpPr>
-            <a:spLocks noGrp="1"/>
-          </p:cNvSpPr>
-          <p:nvPr>
-            <p:ph idx="1"/>
-          </p:nvPr>
-        </p:nvSpPr>
-        <p:spPr/>
-        <p:txBody>
-          <a:bodyPr/>
-          <a:lstStyle/>
-          <a:p>
-            <a:r>
-              <a:rPr lang="en-US" dirty="0"/>
-              <a:t>Hiding the remote memory latencies </a:t>
-            </a:r>
-          </a:p>
-          <a:p>
-            <a:pPr marL="457200" lvl="1" indent="0">
-              <a:buNone/>
-            </a:pPr>
-            <a:r>
-              <a:rPr lang="en-US" dirty="0"/>
-              <a:t>e.g., RDMA takes up to 6 µs in my case</a:t>
-            </a:r>
-          </a:p>
-          <a:p>
-            <a:pPr lvl="1"/>
-            <a:r>
-              <a:rPr lang="en-US" dirty="0"/>
-              <a:t>Obvious solution is better caching/eviction policy</a:t>
-            </a:r>
-          </a:p>
-          <a:p>
-            <a:pPr lvl="1"/>
-            <a:r>
-              <a:rPr lang="en-US" dirty="0"/>
-              <a:t>We chose to (and make it easier to) exploit </a:t>
-            </a:r>
-            <a:r>
-              <a:rPr lang="en-US" i="1" dirty="0"/>
-              <a:t>concurrency</a:t>
-            </a:r>
-          </a:p>
-          <a:p>
-            <a:pPr marL="457200" lvl="1" indent="0">
-              <a:buNone/>
-            </a:pPr>
-            <a:endParaRPr lang="en-US" dirty="0"/>
-          </a:p>
-          <a:p>
-            <a:r>
-              <a:rPr lang="en-US" dirty="0"/>
-              <a:t>But with minimal application changes</a:t>
-            </a:r>
-          </a:p>
-          <a:p>
-            <a:pPr lvl="1"/>
-            <a:r>
-              <a:rPr lang="en-US" dirty="0"/>
-              <a:t>Keep virtual memory (but no CXL yet) – hence the focus on paging</a:t>
-            </a:r>
-          </a:p>
-          <a:p>
-            <a:pPr lvl="1"/>
-            <a:r>
-              <a:rPr lang="en-US" dirty="0"/>
-              <a:t>But full transparency may not be an option – hence </a:t>
-            </a:r>
-            <a:r>
-              <a:rPr lang="en-US" dirty="0" err="1"/>
-              <a:t>Userfaultfd</a:t>
-            </a:r>
-            <a:endParaRPr lang="en-US" dirty="0"/>
-          </a:p>
-        </p:txBody>
-      </p:sp>
-    </p:spTree>
-    <p:extLst>
-      <p:ext uri="{BB962C8B-B14F-4D97-AF65-F5344CB8AC3E}">
-        <p14:creationId xmlns:p14="http://schemas.microsoft.com/office/powerpoint/2010/main" val="3124521556"/>
       </p:ext>
     </p:extLst>
   </p:cSld>
